--- a/M-σ Relation.pptx
+++ b/M-σ Relation.pptx
@@ -122,7 +122,7 @@
 <file path=ppt/revisionInfo.xml><?xml version="1.0" encoding="utf-8"?>
 <p1510:revInfo xmlns:a="http://schemas.openxmlformats.org/drawingml/2006/main" xmlns:r="http://schemas.openxmlformats.org/officeDocument/2006/relationships" xmlns:p1510="http://schemas.microsoft.com/office/powerpoint/2015/10/main">
   <p1510:revLst>
-    <p1510:client id="{D86A49F2-F0F9-480A-A4FA-C7B97961C5ED}" v="63" dt="2024-10-30T14:14:15.282"/>
+    <p1510:client id="{D86A49F2-F0F9-480A-A4FA-C7B97961C5ED}" v="110" dt="2024-10-30T15:20:10.551"/>
   </p1510:revLst>
 </p1510:revInfo>
 </file>
@@ -132,7 +132,7 @@
   <pc:docChgLst>
     <pc:chgData name="Arthur Völkerer" userId="ec9dbd0ff43d94c9" providerId="LiveId" clId="{D86A49F2-F0F9-480A-A4FA-C7B97961C5ED}"/>
     <pc:docChg chg="undo custSel addSld delSld modSld">
-      <pc:chgData name="Arthur Völkerer" userId="ec9dbd0ff43d94c9" providerId="LiveId" clId="{D86A49F2-F0F9-480A-A4FA-C7B97961C5ED}" dt="2024-10-30T14:21:18.726" v="882" actId="403"/>
+      <pc:chgData name="Arthur Völkerer" userId="ec9dbd0ff43d94c9" providerId="LiveId" clId="{D86A49F2-F0F9-480A-A4FA-C7B97961C5ED}" dt="2024-10-30T15:20:24.386" v="1025" actId="14100"/>
       <pc:docMkLst>
         <pc:docMk/>
       </pc:docMkLst>
@@ -176,13 +176,13 @@
         </pc:picChg>
       </pc:sldChg>
       <pc:sldChg chg="addSp modSp mod setBg">
-        <pc:chgData name="Arthur Völkerer" userId="ec9dbd0ff43d94c9" providerId="LiveId" clId="{D86A49F2-F0F9-480A-A4FA-C7B97961C5ED}" dt="2024-10-30T11:34:02.773" v="698" actId="20577"/>
+        <pc:chgData name="Arthur Völkerer" userId="ec9dbd0ff43d94c9" providerId="LiveId" clId="{D86A49F2-F0F9-480A-A4FA-C7B97961C5ED}" dt="2024-10-30T15:16:42.313" v="959" actId="20577"/>
         <pc:sldMkLst>
           <pc:docMk/>
           <pc:sldMk cId="4252112053" sldId="257"/>
         </pc:sldMkLst>
         <pc:spChg chg="mod">
-          <ac:chgData name="Arthur Völkerer" userId="ec9dbd0ff43d94c9" providerId="LiveId" clId="{D86A49F2-F0F9-480A-A4FA-C7B97961C5ED}" dt="2024-10-30T11:21:54.545" v="517" actId="26606"/>
+          <ac:chgData name="Arthur Völkerer" userId="ec9dbd0ff43d94c9" providerId="LiveId" clId="{D86A49F2-F0F9-480A-A4FA-C7B97961C5ED}" dt="2024-10-30T15:16:42.313" v="959" actId="20577"/>
           <ac:spMkLst>
             <pc:docMk/>
             <pc:sldMk cId="4252112053" sldId="257"/>
@@ -215,13 +215,13 @@
         </pc:spChg>
       </pc:sldChg>
       <pc:sldChg chg="addSp delSp modSp mod setBg">
-        <pc:chgData name="Arthur Völkerer" userId="ec9dbd0ff43d94c9" providerId="LiveId" clId="{D86A49F2-F0F9-480A-A4FA-C7B97961C5ED}" dt="2024-10-30T14:14:31.812" v="837" actId="5793"/>
+        <pc:chgData name="Arthur Völkerer" userId="ec9dbd0ff43d94c9" providerId="LiveId" clId="{D86A49F2-F0F9-480A-A4FA-C7B97961C5ED}" dt="2024-10-30T15:15:10.280" v="936" actId="478"/>
         <pc:sldMkLst>
           <pc:docMk/>
           <pc:sldMk cId="1836590631" sldId="258"/>
         </pc:sldMkLst>
         <pc:spChg chg="mod">
-          <ac:chgData name="Arthur Völkerer" userId="ec9dbd0ff43d94c9" providerId="LiveId" clId="{D86A49F2-F0F9-480A-A4FA-C7B97961C5ED}" dt="2024-10-30T11:02:49.720" v="317" actId="20577"/>
+          <ac:chgData name="Arthur Völkerer" userId="ec9dbd0ff43d94c9" providerId="LiveId" clId="{D86A49F2-F0F9-480A-A4FA-C7B97961C5ED}" dt="2024-10-30T15:12:11.755" v="891" actId="26606"/>
           <ac:spMkLst>
             <pc:docMk/>
             <pc:sldMk cId="1836590631" sldId="258"/>
@@ -236,16 +236,32 @@
             <ac:spMk id="4" creationId="{ACB09DEE-6B2B-79F5-F748-DC2E4C04EC5B}"/>
           </ac:spMkLst>
         </pc:spChg>
+        <pc:spChg chg="add del mod">
+          <ac:chgData name="Arthur Völkerer" userId="ec9dbd0ff43d94c9" providerId="LiveId" clId="{D86A49F2-F0F9-480A-A4FA-C7B97961C5ED}" dt="2024-10-30T15:11:49.036" v="885"/>
+          <ac:spMkLst>
+            <pc:docMk/>
+            <pc:sldMk cId="1836590631" sldId="258"/>
+            <ac:spMk id="4" creationId="{DBDCFE27-21CF-9827-1C25-8AF66458B05B}"/>
+          </ac:spMkLst>
+        </pc:spChg>
         <pc:spChg chg="mod">
-          <ac:chgData name="Arthur Völkerer" userId="ec9dbd0ff43d94c9" providerId="LiveId" clId="{D86A49F2-F0F9-480A-A4FA-C7B97961C5ED}" dt="2024-10-30T14:14:31.812" v="837" actId="5793"/>
+          <ac:chgData name="Arthur Völkerer" userId="ec9dbd0ff43d94c9" providerId="LiveId" clId="{D86A49F2-F0F9-480A-A4FA-C7B97961C5ED}" dt="2024-10-30T15:12:24.270" v="901" actId="27636"/>
           <ac:spMkLst>
             <pc:docMk/>
             <pc:sldMk cId="1836590631" sldId="258"/>
             <ac:spMk id="8" creationId="{97201915-F197-C967-EF88-35840B458D38}"/>
           </ac:spMkLst>
         </pc:spChg>
-        <pc:spChg chg="add mod">
-          <ac:chgData name="Arthur Völkerer" userId="ec9dbd0ff43d94c9" providerId="LiveId" clId="{D86A49F2-F0F9-480A-A4FA-C7B97961C5ED}" dt="2024-10-30T14:14:29.064" v="833" actId="1076"/>
+        <pc:spChg chg="add del mod">
+          <ac:chgData name="Arthur Völkerer" userId="ec9dbd0ff43d94c9" providerId="LiveId" clId="{D86A49F2-F0F9-480A-A4FA-C7B97961C5ED}" dt="2024-10-30T15:15:10.280" v="936" actId="478"/>
+          <ac:spMkLst>
+            <pc:docMk/>
+            <pc:sldMk cId="1836590631" sldId="258"/>
+            <ac:spMk id="10" creationId="{7484B155-95CC-850D-158C-8B3F26935BE8}"/>
+          </ac:spMkLst>
+        </pc:spChg>
+        <pc:spChg chg="add del mod ord">
+          <ac:chgData name="Arthur Völkerer" userId="ec9dbd0ff43d94c9" providerId="LiveId" clId="{D86A49F2-F0F9-480A-A4FA-C7B97961C5ED}" dt="2024-10-30T15:12:55.367" v="905"/>
           <ac:spMkLst>
             <pc:docMk/>
             <pc:sldMk cId="1836590631" sldId="258"/>
@@ -284,20 +300,36 @@
             <ac:spMk id="22" creationId="{D4974D33-8DC5-464E-8C6D-BE58F0669C17}"/>
           </ac:spMkLst>
         </pc:spChg>
-        <pc:spChg chg="add">
-          <ac:chgData name="Arthur Völkerer" userId="ec9dbd0ff43d94c9" providerId="LiveId" clId="{D86A49F2-F0F9-480A-A4FA-C7B97961C5ED}" dt="2024-10-30T14:02:14.667" v="746" actId="26606"/>
+        <pc:spChg chg="add del">
+          <ac:chgData name="Arthur Völkerer" userId="ec9dbd0ff43d94c9" providerId="LiveId" clId="{D86A49F2-F0F9-480A-A4FA-C7B97961C5ED}" dt="2024-10-30T15:12:11.755" v="891" actId="26606"/>
           <ac:spMkLst>
             <pc:docMk/>
             <pc:sldMk cId="1836590631" sldId="258"/>
             <ac:spMk id="27" creationId="{F13C74B1-5B17-4795-BED0-7140497B445A}"/>
           </ac:spMkLst>
         </pc:spChg>
-        <pc:spChg chg="add">
-          <ac:chgData name="Arthur Völkerer" userId="ec9dbd0ff43d94c9" providerId="LiveId" clId="{D86A49F2-F0F9-480A-A4FA-C7B97961C5ED}" dt="2024-10-30T14:02:14.667" v="746" actId="26606"/>
+        <pc:spChg chg="add del">
+          <ac:chgData name="Arthur Völkerer" userId="ec9dbd0ff43d94c9" providerId="LiveId" clId="{D86A49F2-F0F9-480A-A4FA-C7B97961C5ED}" dt="2024-10-30T15:12:11.755" v="891" actId="26606"/>
           <ac:spMkLst>
             <pc:docMk/>
             <pc:sldMk cId="1836590631" sldId="258"/>
             <ac:spMk id="29" creationId="{D4974D33-8DC5-464E-8C6D-BE58F0669C17}"/>
+          </ac:spMkLst>
+        </pc:spChg>
+        <pc:spChg chg="add">
+          <ac:chgData name="Arthur Völkerer" userId="ec9dbd0ff43d94c9" providerId="LiveId" clId="{D86A49F2-F0F9-480A-A4FA-C7B97961C5ED}" dt="2024-10-30T15:12:11.755" v="891" actId="26606"/>
+          <ac:spMkLst>
+            <pc:docMk/>
+            <pc:sldMk cId="1836590631" sldId="258"/>
+            <ac:spMk id="34" creationId="{743AA782-23D1-4521-8CAD-47662984AA08}"/>
+          </ac:spMkLst>
+        </pc:spChg>
+        <pc:spChg chg="add">
+          <ac:chgData name="Arthur Völkerer" userId="ec9dbd0ff43d94c9" providerId="LiveId" clId="{D86A49F2-F0F9-480A-A4FA-C7B97961C5ED}" dt="2024-10-30T15:12:11.755" v="891" actId="26606"/>
+          <ac:spMkLst>
+            <pc:docMk/>
+            <pc:sldMk cId="1836590631" sldId="258"/>
+            <ac:spMk id="36" creationId="{71877DBC-BB60-40F0-AC93-2ACDBAAE60CE}"/>
           </ac:spMkLst>
         </pc:spChg>
         <pc:picChg chg="del mod ord">
@@ -308,8 +340,16 @@
             <ac:picMk id="5" creationId="{85E8B70E-602C-762E-A93D-80D6860D779B}"/>
           </ac:picMkLst>
         </pc:picChg>
-        <pc:picChg chg="add mod">
-          <ac:chgData name="Arthur Völkerer" userId="ec9dbd0ff43d94c9" providerId="LiveId" clId="{D86A49F2-F0F9-480A-A4FA-C7B97961C5ED}" dt="2024-10-30T14:02:14.667" v="746" actId="26606"/>
+        <pc:picChg chg="add del mod">
+          <ac:chgData name="Arthur Völkerer" userId="ec9dbd0ff43d94c9" providerId="LiveId" clId="{D86A49F2-F0F9-480A-A4FA-C7B97961C5ED}" dt="2024-10-30T15:15:03.770" v="934" actId="478"/>
+          <ac:picMkLst>
+            <pc:docMk/>
+            <pc:sldMk cId="1836590631" sldId="258"/>
+            <ac:picMk id="6" creationId="{2E80824E-2E35-613E-2670-AC042C8CC115}"/>
+          </ac:picMkLst>
+        </pc:picChg>
+        <pc:picChg chg="add del mod">
+          <ac:chgData name="Arthur Völkerer" userId="ec9dbd0ff43d94c9" providerId="LiveId" clId="{D86A49F2-F0F9-480A-A4FA-C7B97961C5ED}" dt="2024-10-30T15:11:48.583" v="884" actId="478"/>
           <ac:picMkLst>
             <pc:docMk/>
             <pc:sldMk cId="1836590631" sldId="258"/>
@@ -324,15 +364,23 @@
             <ac:picMk id="10" creationId="{1B8F6FB8-B21D-21F8-E268-2B1DC053ABB3}"/>
           </ac:picMkLst>
         </pc:picChg>
+        <pc:picChg chg="add mod">
+          <ac:chgData name="Arthur Völkerer" userId="ec9dbd0ff43d94c9" providerId="LiveId" clId="{D86A49F2-F0F9-480A-A4FA-C7B97961C5ED}" dt="2024-10-30T15:15:04.148" v="935"/>
+          <ac:picMkLst>
+            <pc:docMk/>
+            <pc:sldMk cId="1836590631" sldId="258"/>
+            <ac:picMk id="12" creationId="{85E8B70E-602C-762E-A93D-80D6860D779B}"/>
+          </ac:picMkLst>
+        </pc:picChg>
       </pc:sldChg>
       <pc:sldChg chg="addSp delSp modSp mod setBg">
-        <pc:chgData name="Arthur Völkerer" userId="ec9dbd0ff43d94c9" providerId="LiveId" clId="{D86A49F2-F0F9-480A-A4FA-C7B97961C5ED}" dt="2024-10-30T14:21:18.726" v="882" actId="403"/>
+        <pc:chgData name="Arthur Völkerer" userId="ec9dbd0ff43d94c9" providerId="LiveId" clId="{D86A49F2-F0F9-480A-A4FA-C7B97961C5ED}" dt="2024-10-30T15:20:24.386" v="1025" actId="14100"/>
         <pc:sldMkLst>
           <pc:docMk/>
           <pc:sldMk cId="2804303509" sldId="259"/>
         </pc:sldMkLst>
         <pc:spChg chg="mod">
-          <ac:chgData name="Arthur Völkerer" userId="ec9dbd0ff43d94c9" providerId="LiveId" clId="{D86A49F2-F0F9-480A-A4FA-C7B97961C5ED}" dt="2024-10-30T14:02:55.004" v="758" actId="20577"/>
+          <ac:chgData name="Arthur Völkerer" userId="ec9dbd0ff43d94c9" providerId="LiveId" clId="{D86A49F2-F0F9-480A-A4FA-C7B97961C5ED}" dt="2024-10-30T15:20:14.567" v="1022" actId="26606"/>
           <ac:spMkLst>
             <pc:docMk/>
             <pc:sldMk cId="2804303509" sldId="259"/>
@@ -348,7 +396,7 @@
           </ac:spMkLst>
         </pc:spChg>
         <pc:spChg chg="mod">
-          <ac:chgData name="Arthur Völkerer" userId="ec9dbd0ff43d94c9" providerId="LiveId" clId="{D86A49F2-F0F9-480A-A4FA-C7B97961C5ED}" dt="2024-10-30T14:21:18.726" v="882" actId="403"/>
+          <ac:chgData name="Arthur Völkerer" userId="ec9dbd0ff43d94c9" providerId="LiveId" clId="{D86A49F2-F0F9-480A-A4FA-C7B97961C5ED}" dt="2024-10-30T15:20:14.567" v="1022" actId="26606"/>
           <ac:spMkLst>
             <pc:docMk/>
             <pc:sldMk cId="2804303509" sldId="259"/>
@@ -371,16 +419,16 @@
             <ac:spMk id="14" creationId="{71877DBC-BB60-40F0-AC93-2ACDBAAE60CE}"/>
           </ac:spMkLst>
         </pc:spChg>
-        <pc:spChg chg="add">
-          <ac:chgData name="Arthur Völkerer" userId="ec9dbd0ff43d94c9" providerId="LiveId" clId="{D86A49F2-F0F9-480A-A4FA-C7B97961C5ED}" dt="2024-10-30T14:06:21.205" v="769" actId="26606"/>
+        <pc:spChg chg="add del">
+          <ac:chgData name="Arthur Völkerer" userId="ec9dbd0ff43d94c9" providerId="LiveId" clId="{D86A49F2-F0F9-480A-A4FA-C7B97961C5ED}" dt="2024-10-30T15:20:14.567" v="1022" actId="26606"/>
           <ac:spMkLst>
             <pc:docMk/>
             <pc:sldMk cId="2804303509" sldId="259"/>
             <ac:spMk id="16" creationId="{743AA782-23D1-4521-8CAD-47662984AA08}"/>
           </ac:spMkLst>
         </pc:spChg>
-        <pc:spChg chg="add">
-          <ac:chgData name="Arthur Völkerer" userId="ec9dbd0ff43d94c9" providerId="LiveId" clId="{D86A49F2-F0F9-480A-A4FA-C7B97961C5ED}" dt="2024-10-30T14:06:21.205" v="769" actId="26606"/>
+        <pc:spChg chg="add del">
+          <ac:chgData name="Arthur Völkerer" userId="ec9dbd0ff43d94c9" providerId="LiveId" clId="{D86A49F2-F0F9-480A-A4FA-C7B97961C5ED}" dt="2024-10-30T15:20:14.567" v="1022" actId="26606"/>
           <ac:spMkLst>
             <pc:docMk/>
             <pc:sldMk cId="2804303509" sldId="259"/>
@@ -403,12 +451,52 @@
             <ac:spMk id="21" creationId="{71877DBC-BB60-40F0-AC93-2ACDBAAE60CE}"/>
           </ac:spMkLst>
         </pc:spChg>
-        <pc:picChg chg="add mod">
-          <ac:chgData name="Arthur Völkerer" userId="ec9dbd0ff43d94c9" providerId="LiveId" clId="{D86A49F2-F0F9-480A-A4FA-C7B97961C5ED}" dt="2024-10-30T14:06:21.205" v="769" actId="26606"/>
+        <pc:spChg chg="add">
+          <ac:chgData name="Arthur Völkerer" userId="ec9dbd0ff43d94c9" providerId="LiveId" clId="{D86A49F2-F0F9-480A-A4FA-C7B97961C5ED}" dt="2024-10-30T15:20:14.567" v="1022" actId="26606"/>
+          <ac:spMkLst>
+            <pc:docMk/>
+            <pc:sldMk cId="2804303509" sldId="259"/>
+            <ac:spMk id="22" creationId="{743AA782-23D1-4521-8CAD-47662984AA08}"/>
+          </ac:spMkLst>
+        </pc:spChg>
+        <pc:spChg chg="add">
+          <ac:chgData name="Arthur Völkerer" userId="ec9dbd0ff43d94c9" providerId="LiveId" clId="{D86A49F2-F0F9-480A-A4FA-C7B97961C5ED}" dt="2024-10-30T15:20:14.567" v="1022" actId="26606"/>
+          <ac:spMkLst>
+            <pc:docMk/>
+            <pc:sldMk cId="2804303509" sldId="259"/>
+            <ac:spMk id="24" creationId="{71877DBC-BB60-40F0-AC93-2ACDBAAE60CE}"/>
+          </ac:spMkLst>
+        </pc:spChg>
+        <pc:picChg chg="add del mod">
+          <ac:chgData name="Arthur Völkerer" userId="ec9dbd0ff43d94c9" providerId="LiveId" clId="{D86A49F2-F0F9-480A-A4FA-C7B97961C5ED}" dt="2024-10-30T15:19:40.220" v="1012" actId="478"/>
+          <ac:picMkLst>
+            <pc:docMk/>
+            <pc:sldMk cId="2804303509" sldId="259"/>
+            <ac:picMk id="4" creationId="{CB087B22-0FC4-6903-67A1-1DFFF2CAA1AD}"/>
+          </ac:picMkLst>
+        </pc:picChg>
+        <pc:picChg chg="add del mod">
+          <ac:chgData name="Arthur Völkerer" userId="ec9dbd0ff43d94c9" providerId="LiveId" clId="{D86A49F2-F0F9-480A-A4FA-C7B97961C5ED}" dt="2024-10-30T15:15:01.592" v="933" actId="21"/>
           <ac:picMkLst>
             <pc:docMk/>
             <pc:sldMk cId="2804303509" sldId="259"/>
             <ac:picMk id="5" creationId="{85E8B70E-602C-762E-A93D-80D6860D779B}"/>
+          </ac:picMkLst>
+        </pc:picChg>
+        <pc:picChg chg="add del mod">
+          <ac:chgData name="Arthur Völkerer" userId="ec9dbd0ff43d94c9" providerId="LiveId" clId="{D86A49F2-F0F9-480A-A4FA-C7B97961C5ED}" dt="2024-10-30T15:20:10.196" v="1018" actId="478"/>
+          <ac:picMkLst>
+            <pc:docMk/>
+            <pc:sldMk cId="2804303509" sldId="259"/>
+            <ac:picMk id="8" creationId="{A8133722-30D1-AB69-9EF4-CC04208F0158}"/>
+          </ac:picMkLst>
+        </pc:picChg>
+        <pc:picChg chg="add mod">
+          <ac:chgData name="Arthur Völkerer" userId="ec9dbd0ff43d94c9" providerId="LiveId" clId="{D86A49F2-F0F9-480A-A4FA-C7B97961C5ED}" dt="2024-10-30T15:20:24.386" v="1025" actId="14100"/>
+          <ac:picMkLst>
+            <pc:docMk/>
+            <pc:sldMk cId="2804303509" sldId="259"/>
+            <ac:picMk id="10" creationId="{0809E7E3-5885-AA61-2D69-809F81F5E884}"/>
           </ac:picMkLst>
         </pc:picChg>
       </pc:sldChg>
@@ -500,7 +588,7 @@
         </pc:spChg>
       </pc:sldChg>
       <pc:sldChg chg="addSp delSp modSp add mod setBg delDesignElem">
-        <pc:chgData name="Arthur Völkerer" userId="ec9dbd0ff43d94c9" providerId="LiveId" clId="{D86A49F2-F0F9-480A-A4FA-C7B97961C5ED}" dt="2024-10-30T11:37:28.887" v="707" actId="1076"/>
+        <pc:chgData name="Arthur Völkerer" userId="ec9dbd0ff43d94c9" providerId="LiveId" clId="{D86A49F2-F0F9-480A-A4FA-C7B97961C5ED}" dt="2024-10-30T15:18:53.906" v="1006" actId="14100"/>
         <pc:sldMkLst>
           <pc:docMk/>
           <pc:sldMk cId="1909078373" sldId="261"/>
@@ -530,7 +618,7 @@
           </ac:spMkLst>
         </pc:spChg>
         <pc:spChg chg="add mod">
-          <ac:chgData name="Arthur Völkerer" userId="ec9dbd0ff43d94c9" providerId="LiveId" clId="{D86A49F2-F0F9-480A-A4FA-C7B97961C5ED}" dt="2024-10-30T11:33:23.861" v="688" actId="404"/>
+          <ac:chgData name="Arthur Völkerer" userId="ec9dbd0ff43d94c9" providerId="LiveId" clId="{D86A49F2-F0F9-480A-A4FA-C7B97961C5ED}" dt="2024-10-30T15:18:53.906" v="1006" actId="14100"/>
           <ac:spMkLst>
             <pc:docMk/>
             <pc:sldMk cId="1909078373" sldId="261"/>
@@ -546,7 +634,7 @@
           </ac:spMkLst>
         </pc:spChg>
         <pc:spChg chg="add mod">
-          <ac:chgData name="Arthur Völkerer" userId="ec9dbd0ff43d94c9" providerId="LiveId" clId="{D86A49F2-F0F9-480A-A4FA-C7B97961C5ED}" dt="2024-10-30T11:33:21.700" v="687" actId="404"/>
+          <ac:chgData name="Arthur Völkerer" userId="ec9dbd0ff43d94c9" providerId="LiveId" clId="{D86A49F2-F0F9-480A-A4FA-C7B97961C5ED}" dt="2024-10-30T15:15:46.597" v="943" actId="2711"/>
           <ac:spMkLst>
             <pc:docMk/>
             <pc:sldMk cId="1909078373" sldId="261"/>
@@ -554,7 +642,7 @@
           </ac:spMkLst>
         </pc:spChg>
         <pc:spChg chg="add mod">
-          <ac:chgData name="Arthur Völkerer" userId="ec9dbd0ff43d94c9" providerId="LiveId" clId="{D86A49F2-F0F9-480A-A4FA-C7B97961C5ED}" dt="2024-10-30T11:37:28.887" v="707" actId="1076"/>
+          <ac:chgData name="Arthur Völkerer" userId="ec9dbd0ff43d94c9" providerId="LiveId" clId="{D86A49F2-F0F9-480A-A4FA-C7B97961C5ED}" dt="2024-10-30T15:16:19.447" v="958" actId="20577"/>
           <ac:spMkLst>
             <pc:docMk/>
             <pc:sldMk cId="1909078373" sldId="261"/>
@@ -4600,936 +4688,7 @@
       </p:grpSpPr>
       <p:sp useBgFill="1">
         <p:nvSpPr>
-          <p:cNvPr id="27" name="Rectangle 26">
-            <a:extLst>
-              <a:ext uri="{FF2B5EF4-FFF2-40B4-BE49-F238E27FC236}">
-                <a16:creationId xmlns:a16="http://schemas.microsoft.com/office/drawing/2014/main" id="{F13C74B1-5B17-4795-BED0-7140497B445A}"/>
-              </a:ext>
-              <a:ext uri="{C183D7F6-B498-43B3-948B-1728B52AA6E4}">
-                <adec:decorative xmlns:adec="http://schemas.microsoft.com/office/drawing/2017/decorative" val="1"/>
-              </a:ext>
-            </a:extLst>
-          </p:cNvPr>
-          <p:cNvSpPr>
-            <a:spLocks noGrp="1" noRot="1" noChangeAspect="1" noMove="1" noResize="1" noEditPoints="1" noAdjustHandles="1" noChangeArrowheads="1" noChangeShapeType="1" noTextEdit="1"/>
-          </p:cNvSpPr>
-          <p:nvPr>
-            <p:extLst>
-              <p:ext uri="{386F3935-93C4-4BCD-93E2-E3B085C9AB24}">
-                <p16:designElem xmlns:p16="http://schemas.microsoft.com/office/powerpoint/2015/main" val="1"/>
-              </p:ext>
-            </p:extLst>
-          </p:nvPr>
-        </p:nvSpPr>
-        <p:spPr>
-          <a:xfrm>
-            <a:off x="0" y="0"/>
-            <a:ext cx="12188952" cy="6858000"/>
-          </a:xfrm>
-          <a:prstGeom prst="rect">
-            <a:avLst/>
-          </a:prstGeom>
-          <a:ln>
-            <a:noFill/>
-          </a:ln>
-        </p:spPr>
-        <p:style>
-          <a:lnRef idx="2">
-            <a:schemeClr val="accent1">
-              <a:shade val="50000"/>
-            </a:schemeClr>
-          </a:lnRef>
-          <a:fillRef idx="1">
-            <a:schemeClr val="accent1"/>
-          </a:fillRef>
-          <a:effectRef idx="0">
-            <a:schemeClr val="accent1"/>
-          </a:effectRef>
-          <a:fontRef idx="minor">
-            <a:schemeClr val="lt1"/>
-          </a:fontRef>
-        </p:style>
-        <p:txBody>
-          <a:bodyPr rtlCol="0" anchor="ctr"/>
-          <a:lstStyle/>
-          <a:p>
-            <a:pPr algn="ctr"/>
-            <a:endParaRPr lang="en-US"/>
-          </a:p>
-        </p:txBody>
-      </p:sp>
-      <p:sp>
-        <p:nvSpPr>
-          <p:cNvPr id="2" name="Titel 1">
-            <a:extLst>
-              <a:ext uri="{FF2B5EF4-FFF2-40B4-BE49-F238E27FC236}">
-                <a16:creationId xmlns:a16="http://schemas.microsoft.com/office/drawing/2014/main" id="{54B286A4-07A1-3F11-5352-ED8FFCEA72AD}"/>
-              </a:ext>
-            </a:extLst>
-          </p:cNvPr>
-          <p:cNvSpPr>
-            <a:spLocks noGrp="1"/>
-          </p:cNvSpPr>
-          <p:nvPr>
-            <p:ph type="title"/>
-          </p:nvPr>
-        </p:nvSpPr>
-        <p:spPr>
-          <a:xfrm>
-            <a:off x="640080" y="325369"/>
-            <a:ext cx="4368602" cy="1956841"/>
-          </a:xfrm>
-        </p:spPr>
-        <p:txBody>
-          <a:bodyPr vert="horz" lIns="91440" tIns="45720" rIns="91440" bIns="45720" rtlCol="0" anchor="b">
-            <a:normAutofit/>
-          </a:bodyPr>
-          <a:lstStyle/>
-          <a:p>
-            <a:r>
-              <a:rPr lang="en-US" sz="5400" dirty="0"/>
-              <a:t>The basics</a:t>
-            </a:r>
-          </a:p>
-        </p:txBody>
-      </p:sp>
-      <p:sp>
-        <p:nvSpPr>
-          <p:cNvPr id="29" name="sketchy line">
-            <a:extLst>
-              <a:ext uri="{FF2B5EF4-FFF2-40B4-BE49-F238E27FC236}">
-                <a16:creationId xmlns:a16="http://schemas.microsoft.com/office/drawing/2014/main" id="{D4974D33-8DC5-464E-8C6D-BE58F0669C17}"/>
-              </a:ext>
-              <a:ext uri="{C183D7F6-B498-43B3-948B-1728B52AA6E4}">
-                <adec:decorative xmlns:adec="http://schemas.microsoft.com/office/drawing/2017/decorative" val="1"/>
-              </a:ext>
-            </a:extLst>
-          </p:cNvPr>
-          <p:cNvSpPr>
-            <a:spLocks noGrp="1" noRot="1" noChangeAspect="1" noMove="1" noResize="1" noEditPoints="1" noAdjustHandles="1" noChangeArrowheads="1" noChangeShapeType="1" noTextEdit="1"/>
-          </p:cNvSpPr>
-          <p:nvPr>
-            <p:extLst>
-              <p:ext uri="{386F3935-93C4-4BCD-93E2-E3B085C9AB24}">
-                <p16:designElem xmlns:p16="http://schemas.microsoft.com/office/powerpoint/2015/main" val="1"/>
-              </p:ext>
-            </p:extLst>
-          </p:nvPr>
-        </p:nvSpPr>
-        <p:spPr>
-          <a:xfrm>
-            <a:off x="640080" y="2586994"/>
-            <a:ext cx="3474720" cy="18288"/>
-          </a:xfrm>
-          <a:custGeom>
-            <a:avLst/>
-            <a:gdLst>
-              <a:gd name="connsiteX0" fmla="*/ 0 w 3474720"/>
-              <a:gd name="connsiteY0" fmla="*/ 0 h 18288"/>
-              <a:gd name="connsiteX1" fmla="*/ 694944 w 3474720"/>
-              <a:gd name="connsiteY1" fmla="*/ 0 h 18288"/>
-              <a:gd name="connsiteX2" fmla="*/ 1355141 w 3474720"/>
-              <a:gd name="connsiteY2" fmla="*/ 0 h 18288"/>
-              <a:gd name="connsiteX3" fmla="*/ 2015338 w 3474720"/>
-              <a:gd name="connsiteY3" fmla="*/ 0 h 18288"/>
-              <a:gd name="connsiteX4" fmla="*/ 2779776 w 3474720"/>
-              <a:gd name="connsiteY4" fmla="*/ 0 h 18288"/>
-              <a:gd name="connsiteX5" fmla="*/ 3474720 w 3474720"/>
-              <a:gd name="connsiteY5" fmla="*/ 0 h 18288"/>
-              <a:gd name="connsiteX6" fmla="*/ 3474720 w 3474720"/>
-              <a:gd name="connsiteY6" fmla="*/ 18288 h 18288"/>
-              <a:gd name="connsiteX7" fmla="*/ 2779776 w 3474720"/>
-              <a:gd name="connsiteY7" fmla="*/ 18288 h 18288"/>
-              <a:gd name="connsiteX8" fmla="*/ 2189074 w 3474720"/>
-              <a:gd name="connsiteY8" fmla="*/ 18288 h 18288"/>
-              <a:gd name="connsiteX9" fmla="*/ 1528877 w 3474720"/>
-              <a:gd name="connsiteY9" fmla="*/ 18288 h 18288"/>
-              <a:gd name="connsiteX10" fmla="*/ 868680 w 3474720"/>
-              <a:gd name="connsiteY10" fmla="*/ 18288 h 18288"/>
-              <a:gd name="connsiteX11" fmla="*/ 0 w 3474720"/>
-              <a:gd name="connsiteY11" fmla="*/ 18288 h 18288"/>
-              <a:gd name="connsiteX12" fmla="*/ 0 w 3474720"/>
-              <a:gd name="connsiteY12" fmla="*/ 0 h 18288"/>
-            </a:gdLst>
-            <a:ahLst/>
-            <a:cxnLst>
-              <a:cxn ang="0">
-                <a:pos x="connsiteX0" y="connsiteY0"/>
-              </a:cxn>
-              <a:cxn ang="0">
-                <a:pos x="connsiteX1" y="connsiteY1"/>
-              </a:cxn>
-              <a:cxn ang="0">
-                <a:pos x="connsiteX2" y="connsiteY2"/>
-              </a:cxn>
-              <a:cxn ang="0">
-                <a:pos x="connsiteX3" y="connsiteY3"/>
-              </a:cxn>
-              <a:cxn ang="0">
-                <a:pos x="connsiteX4" y="connsiteY4"/>
-              </a:cxn>
-              <a:cxn ang="0">
-                <a:pos x="connsiteX5" y="connsiteY5"/>
-              </a:cxn>
-              <a:cxn ang="0">
-                <a:pos x="connsiteX6" y="connsiteY6"/>
-              </a:cxn>
-              <a:cxn ang="0">
-                <a:pos x="connsiteX7" y="connsiteY7"/>
-              </a:cxn>
-              <a:cxn ang="0">
-                <a:pos x="connsiteX8" y="connsiteY8"/>
-              </a:cxn>
-              <a:cxn ang="0">
-                <a:pos x="connsiteX9" y="connsiteY9"/>
-              </a:cxn>
-              <a:cxn ang="0">
-                <a:pos x="connsiteX10" y="connsiteY10"/>
-              </a:cxn>
-              <a:cxn ang="0">
-                <a:pos x="connsiteX11" y="connsiteY11"/>
-              </a:cxn>
-              <a:cxn ang="0">
-                <a:pos x="connsiteX12" y="connsiteY12"/>
-              </a:cxn>
-            </a:cxnLst>
-            <a:rect l="l" t="t" r="r" b="b"/>
-            <a:pathLst>
-              <a:path w="3474720" h="18288" fill="none" extrusionOk="0">
-                <a:moveTo>
-                  <a:pt x="0" y="0"/>
-                </a:moveTo>
-                <a:cubicBezTo>
-                  <a:pt x="224454" y="-14544"/>
-                  <a:pt x="495407" y="26540"/>
-                  <a:pt x="694944" y="0"/>
-                </a:cubicBezTo>
-                <a:cubicBezTo>
-                  <a:pt x="894481" y="-26540"/>
-                  <a:pt x="1130063" y="24713"/>
-                  <a:pt x="1355141" y="0"/>
-                </a:cubicBezTo>
-                <a:cubicBezTo>
-                  <a:pt x="1580219" y="-24713"/>
-                  <a:pt x="1820099" y="26695"/>
-                  <a:pt x="2015338" y="0"/>
-                </a:cubicBezTo>
-                <a:cubicBezTo>
-                  <a:pt x="2210577" y="-26695"/>
-                  <a:pt x="2402045" y="165"/>
-                  <a:pt x="2779776" y="0"/>
-                </a:cubicBezTo>
-                <a:cubicBezTo>
-                  <a:pt x="3157507" y="-165"/>
-                  <a:pt x="3286859" y="-15571"/>
-                  <a:pt x="3474720" y="0"/>
-                </a:cubicBezTo>
-                <a:cubicBezTo>
-                  <a:pt x="3474286" y="7551"/>
-                  <a:pt x="3474253" y="9822"/>
-                  <a:pt x="3474720" y="18288"/>
-                </a:cubicBezTo>
-                <a:cubicBezTo>
-                  <a:pt x="3233904" y="29845"/>
-                  <a:pt x="2945134" y="-5256"/>
-                  <a:pt x="2779776" y="18288"/>
-                </a:cubicBezTo>
-                <a:cubicBezTo>
-                  <a:pt x="2614418" y="41832"/>
-                  <a:pt x="2339768" y="22709"/>
-                  <a:pt x="2189074" y="18288"/>
-                </a:cubicBezTo>
-                <a:cubicBezTo>
-                  <a:pt x="2038380" y="13867"/>
-                  <a:pt x="1817434" y="-4947"/>
-                  <a:pt x="1528877" y="18288"/>
-                </a:cubicBezTo>
-                <a:cubicBezTo>
-                  <a:pt x="1240320" y="41523"/>
-                  <a:pt x="1042447" y="37198"/>
-                  <a:pt x="868680" y="18288"/>
-                </a:cubicBezTo>
-                <a:cubicBezTo>
-                  <a:pt x="694913" y="-622"/>
-                  <a:pt x="233232" y="44909"/>
-                  <a:pt x="0" y="18288"/>
-                </a:cubicBezTo>
-                <a:cubicBezTo>
-                  <a:pt x="60" y="11696"/>
-                  <a:pt x="66" y="3758"/>
-                  <a:pt x="0" y="0"/>
-                </a:cubicBezTo>
-                <a:close/>
-              </a:path>
-              <a:path w="3474720" h="18288" stroke="0" extrusionOk="0">
-                <a:moveTo>
-                  <a:pt x="0" y="0"/>
-                </a:moveTo>
-                <a:cubicBezTo>
-                  <a:pt x="202328" y="-14716"/>
-                  <a:pt x="332722" y="-11499"/>
-                  <a:pt x="625450" y="0"/>
-                </a:cubicBezTo>
-                <a:cubicBezTo>
-                  <a:pt x="918178" y="11499"/>
-                  <a:pt x="1096688" y="5123"/>
-                  <a:pt x="1389888" y="0"/>
-                </a:cubicBezTo>
-                <a:cubicBezTo>
-                  <a:pt x="1683088" y="-5123"/>
-                  <a:pt x="1835981" y="-14038"/>
-                  <a:pt x="1980590" y="0"/>
-                </a:cubicBezTo>
-                <a:cubicBezTo>
-                  <a:pt x="2125199" y="14038"/>
-                  <a:pt x="2396099" y="-7203"/>
-                  <a:pt x="2571293" y="0"/>
-                </a:cubicBezTo>
-                <a:cubicBezTo>
-                  <a:pt x="2746487" y="7203"/>
-                  <a:pt x="3041609" y="-12036"/>
-                  <a:pt x="3474720" y="0"/>
-                </a:cubicBezTo>
-                <a:cubicBezTo>
-                  <a:pt x="3474638" y="4406"/>
-                  <a:pt x="3474631" y="9982"/>
-                  <a:pt x="3474720" y="18288"/>
-                </a:cubicBezTo>
-                <a:cubicBezTo>
-                  <a:pt x="3324873" y="21876"/>
-                  <a:pt x="3136771" y="12587"/>
-                  <a:pt x="2814523" y="18288"/>
-                </a:cubicBezTo>
-                <a:cubicBezTo>
-                  <a:pt x="2492275" y="23989"/>
-                  <a:pt x="2294402" y="47111"/>
-                  <a:pt x="2154326" y="18288"/>
-                </a:cubicBezTo>
-                <a:cubicBezTo>
-                  <a:pt x="2014250" y="-10535"/>
-                  <a:pt x="1820317" y="33903"/>
-                  <a:pt x="1494130" y="18288"/>
-                </a:cubicBezTo>
-                <a:cubicBezTo>
-                  <a:pt x="1167943" y="2673"/>
-                  <a:pt x="948432" y="14868"/>
-                  <a:pt x="729691" y="18288"/>
-                </a:cubicBezTo>
-                <a:cubicBezTo>
-                  <a:pt x="510950" y="21708"/>
-                  <a:pt x="264032" y="24354"/>
-                  <a:pt x="0" y="18288"/>
-                </a:cubicBezTo>
-                <a:cubicBezTo>
-                  <a:pt x="189" y="14288"/>
-                  <a:pt x="-703" y="3747"/>
-                  <a:pt x="0" y="0"/>
-                </a:cubicBezTo>
-                <a:close/>
-              </a:path>
-            </a:pathLst>
-          </a:custGeom>
-          <a:solidFill>
-            <a:schemeClr val="accent2"/>
-          </a:solidFill>
-          <a:ln w="44450" cap="rnd">
-            <a:solidFill>
-              <a:schemeClr val="accent2"/>
-            </a:solidFill>
-            <a:round/>
-            <a:extLst>
-              <a:ext uri="{C807C97D-BFC1-408E-A445-0C87EB9F89A2}">
-                <ask:lineSketchStyleProps xmlns:ask="http://schemas.microsoft.com/office/drawing/2018/sketchyshapes" sd="2863741219">
-                  <a:prstGeom prst="rect">
-                    <a:avLst/>
-                  </a:prstGeom>
-                  <ask:type>
-                    <ask:lineSketchFreehand/>
-                  </ask:type>
-                </ask:lineSketchStyleProps>
-              </a:ext>
-            </a:extLst>
-          </a:ln>
-        </p:spPr>
-        <p:style>
-          <a:lnRef idx="2">
-            <a:schemeClr val="accent1">
-              <a:shade val="50000"/>
-            </a:schemeClr>
-          </a:lnRef>
-          <a:fillRef idx="1">
-            <a:schemeClr val="accent1"/>
-          </a:fillRef>
-          <a:effectRef idx="0">
-            <a:schemeClr val="accent1"/>
-          </a:effectRef>
-          <a:fontRef idx="minor">
-            <a:schemeClr val="lt1"/>
-          </a:fontRef>
-        </p:style>
-        <p:txBody>
-          <a:bodyPr rtlCol="0" anchor="ctr"/>
-          <a:lstStyle/>
-          <a:p>
-            <a:pPr algn="ctr"/>
-            <a:endParaRPr lang="en-US"/>
-          </a:p>
-        </p:txBody>
-      </p:sp>
-      <p:sp>
-        <p:nvSpPr>
-          <p:cNvPr id="8" name="Textfeld 7">
-            <a:extLst>
-              <a:ext uri="{FF2B5EF4-FFF2-40B4-BE49-F238E27FC236}">
-                <a16:creationId xmlns:a16="http://schemas.microsoft.com/office/drawing/2014/main" id="{97201915-F197-C967-EF88-35840B458D38}"/>
-              </a:ext>
-            </a:extLst>
-          </p:cNvPr>
-          <p:cNvSpPr txBox="1"/>
-          <p:nvPr/>
-        </p:nvSpPr>
-        <p:spPr>
-          <a:xfrm>
-            <a:off x="640081" y="2872899"/>
-            <a:ext cx="4797682" cy="3320668"/>
-          </a:xfrm>
-          <a:prstGeom prst="rect">
-            <a:avLst/>
-          </a:prstGeom>
-        </p:spPr>
-        <p:txBody>
-          <a:bodyPr vert="horz" lIns="91440" tIns="45720" rIns="91440" bIns="45720" rtlCol="0">
-            <a:normAutofit/>
-          </a:bodyPr>
-          <a:lstStyle/>
-          <a:p>
-            <a:pPr marL="285750" indent="-228600">
-              <a:lnSpc>
-                <a:spcPct val="90000"/>
-              </a:lnSpc>
-              <a:spcAft>
-                <a:spcPts val="600"/>
-              </a:spcAft>
-              <a:buFont typeface="Arial" panose="020B0604020202020204" pitchFamily="34" charset="0"/>
-              <a:buChar char="•"/>
-            </a:pPr>
-            <a:r>
-              <a:rPr lang="en-US" sz="1900" dirty="0"/>
-              <a:t>Mass of black hole and velocity dispersion	</a:t>
-            </a:r>
-          </a:p>
-          <a:p>
-            <a:pPr marL="285750" indent="-228600">
-              <a:lnSpc>
-                <a:spcPct val="90000"/>
-              </a:lnSpc>
-              <a:spcAft>
-                <a:spcPts val="600"/>
-              </a:spcAft>
-              <a:buFont typeface="Arial" panose="020B0604020202020204" pitchFamily="34" charset="0"/>
-              <a:buChar char="•"/>
-            </a:pPr>
-            <a:r>
-              <a:rPr lang="en-US" sz="1900" dirty="0"/>
-              <a:t>The larger the BH, the greater the velocity dispersion of the stars (for the dynamics in the galaxies </a:t>
-            </a:r>
-            <a:r>
-              <a:rPr lang="en-US" sz="1900" dirty="0" err="1"/>
-              <a:t>centre</a:t>
-            </a:r>
-            <a:r>
-              <a:rPr lang="en-US" sz="1900" dirty="0"/>
-              <a:t>)</a:t>
-            </a:r>
-          </a:p>
-          <a:p>
-            <a:pPr marL="285750" indent="-228600">
-              <a:lnSpc>
-                <a:spcPct val="90000"/>
-              </a:lnSpc>
-              <a:spcAft>
-                <a:spcPts val="600"/>
-              </a:spcAft>
-              <a:buFont typeface="Arial" panose="020B0604020202020204" pitchFamily="34" charset="0"/>
-              <a:buChar char="•"/>
-            </a:pPr>
-            <a:r>
-              <a:rPr lang="en-US" sz="1900" dirty="0"/>
-              <a:t>Feedback mechanism between black hole and bulge mass</a:t>
-            </a:r>
-          </a:p>
-          <a:p>
-            <a:pPr marL="285750" indent="-228600">
-              <a:lnSpc>
-                <a:spcPct val="90000"/>
-              </a:lnSpc>
-              <a:spcAft>
-                <a:spcPts val="600"/>
-              </a:spcAft>
-              <a:buFont typeface="Arial" panose="020B0604020202020204" pitchFamily="34" charset="0"/>
-              <a:buChar char="•"/>
-            </a:pPr>
-            <a:r>
-              <a:rPr lang="en-US" sz="1900" dirty="0"/>
-              <a:t>Origin of scatter</a:t>
-            </a:r>
-          </a:p>
-          <a:p>
-            <a:pPr marL="285750" indent="-228600">
-              <a:lnSpc>
-                <a:spcPct val="90000"/>
-              </a:lnSpc>
-              <a:spcAft>
-                <a:spcPts val="600"/>
-              </a:spcAft>
-              <a:buFont typeface="Arial" panose="020B0604020202020204" pitchFamily="34" charset="0"/>
-              <a:buChar char="•"/>
-            </a:pPr>
-            <a:r>
-              <a:rPr lang="en-US" sz="1900" dirty="0"/>
-              <a:t>Galactic Feedback </a:t>
-            </a:r>
-          </a:p>
-          <a:p>
-            <a:pPr marL="285750" indent="-228600">
-              <a:lnSpc>
-                <a:spcPct val="90000"/>
-              </a:lnSpc>
-              <a:spcAft>
-                <a:spcPts val="600"/>
-              </a:spcAft>
-              <a:buFont typeface="Arial" panose="020B0604020202020204" pitchFamily="34" charset="0"/>
-              <a:buChar char="•"/>
-            </a:pPr>
-            <a:r>
-              <a:rPr lang="en-US" sz="1900" dirty="0"/>
-              <a:t>… </a:t>
-            </a:r>
-          </a:p>
-          <a:p>
-            <a:pPr indent="-228600">
-              <a:lnSpc>
-                <a:spcPct val="90000"/>
-              </a:lnSpc>
-              <a:spcAft>
-                <a:spcPts val="600"/>
-              </a:spcAft>
-              <a:buFont typeface="Arial" panose="020B0604020202020204" pitchFamily="34" charset="0"/>
-              <a:buChar char="•"/>
-            </a:pPr>
-            <a:endParaRPr lang="en-US" sz="1900" b="0" i="0" dirty="0">
-              <a:effectLst/>
-            </a:endParaRPr>
-          </a:p>
-        </p:txBody>
-      </p:sp>
-      <p:pic>
-        <p:nvPicPr>
-          <p:cNvPr id="7" name="Inhaltsplatzhalter 6" descr="Ein Bild, das Text, Diagramm, Reihe enthält.&#10;&#10;Automatisch generierte Beschreibung">
-            <a:extLst>
-              <a:ext uri="{FF2B5EF4-FFF2-40B4-BE49-F238E27FC236}">
-                <a16:creationId xmlns:a16="http://schemas.microsoft.com/office/drawing/2014/main" id="{2B46BC88-494B-8689-E19C-688866DB4117}"/>
-              </a:ext>
-            </a:extLst>
-          </p:cNvPr>
-          <p:cNvPicPr>
-            <a:picLocks noGrp="1" noChangeAspect="1"/>
-          </p:cNvPicPr>
-          <p:nvPr>
-            <p:ph idx="1"/>
-          </p:nvPr>
-        </p:nvPicPr>
-        <p:blipFill>
-          <a:blip r:embed="rId2">
-            <a:extLst>
-              <a:ext uri="{28A0092B-C50C-407E-A947-70E740481C1C}">
-                <a14:useLocalDpi xmlns:a14="http://schemas.microsoft.com/office/drawing/2010/main" val="0"/>
-              </a:ext>
-            </a:extLst>
-          </a:blip>
-          <a:srcRect l="3542" r="3" b="3"/>
-          <a:stretch/>
-        </p:blipFill>
-        <p:spPr>
-          <a:xfrm>
-            <a:off x="5311702" y="10"/>
-            <a:ext cx="6878775" cy="6857990"/>
-          </a:xfrm>
-          <a:custGeom>
-            <a:avLst/>
-            <a:gdLst/>
-            <a:ahLst/>
-            <a:cxnLst/>
-            <a:rect l="l" t="t" r="r" b="b"/>
-            <a:pathLst>
-              <a:path w="6878775" h="6858000">
-                <a:moveTo>
-                  <a:pt x="1102973" y="0"/>
-                </a:moveTo>
-                <a:lnTo>
-                  <a:pt x="1160688" y="0"/>
-                </a:lnTo>
-                <a:lnTo>
-                  <a:pt x="983189" y="331786"/>
-                </a:lnTo>
-                <a:cubicBezTo>
-                  <a:pt x="914866" y="469145"/>
-                  <a:pt x="850355" y="608712"/>
-                  <a:pt x="789261" y="750263"/>
-                </a:cubicBezTo>
-                <a:cubicBezTo>
-                  <a:pt x="774307" y="784928"/>
-                  <a:pt x="759992" y="819849"/>
-                  <a:pt x="745295" y="854514"/>
-                </a:cubicBezTo>
-                <a:cubicBezTo>
-                  <a:pt x="756682" y="845393"/>
-                  <a:pt x="765489" y="833492"/>
-                  <a:pt x="770857" y="819975"/>
-                </a:cubicBezTo>
-                <a:cubicBezTo>
-                  <a:pt x="879943" y="589569"/>
-                  <a:pt x="999605" y="365513"/>
-                  <a:pt x="1131329" y="148742"/>
-                </a:cubicBezTo>
-                <a:lnTo>
-                  <a:pt x="1227589" y="0"/>
-                </a:lnTo>
-                <a:lnTo>
-                  <a:pt x="6878775" y="0"/>
-                </a:lnTo>
-                <a:lnTo>
-                  <a:pt x="6878775" y="6858000"/>
-                </a:lnTo>
-                <a:lnTo>
-                  <a:pt x="713521" y="6858000"/>
-                </a:lnTo>
-                <a:lnTo>
-                  <a:pt x="625642" y="6670527"/>
-                </a:lnTo>
-                <a:cubicBezTo>
-                  <a:pt x="507232" y="6398531"/>
-                  <a:pt x="403083" y="6118381"/>
-                  <a:pt x="312785" y="5830359"/>
-                </a:cubicBezTo>
-                <a:cubicBezTo>
-                  <a:pt x="278149" y="5719759"/>
-                  <a:pt x="248879" y="5607635"/>
-                  <a:pt x="212198" y="5480401"/>
-                </a:cubicBezTo>
-                <a:cubicBezTo>
-                  <a:pt x="212208" y="5491601"/>
-                  <a:pt x="212803" y="5502788"/>
-                  <a:pt x="213988" y="5513923"/>
-                </a:cubicBezTo>
-                <a:cubicBezTo>
-                  <a:pt x="264089" y="5723695"/>
-                  <a:pt x="307290" y="5935370"/>
-                  <a:pt x="365826" y="6142729"/>
-                </a:cubicBezTo>
-                <a:cubicBezTo>
-                  <a:pt x="433152" y="6380817"/>
-                  <a:pt x="510068" y="6614016"/>
-                  <a:pt x="597975" y="6841549"/>
-                </a:cubicBezTo>
-                <a:lnTo>
-                  <a:pt x="604824" y="6858000"/>
-                </a:lnTo>
-                <a:lnTo>
-                  <a:pt x="552056" y="6858000"/>
-                </a:lnTo>
-                <a:lnTo>
-                  <a:pt x="539576" y="6828295"/>
-                </a:lnTo>
-                <a:cubicBezTo>
-                  <a:pt x="380597" y="6414594"/>
-                  <a:pt x="260223" y="5988893"/>
-                  <a:pt x="171555" y="5552906"/>
-                </a:cubicBezTo>
-                <a:cubicBezTo>
-                  <a:pt x="91163" y="5157998"/>
-                  <a:pt x="43746" y="4758899"/>
-                  <a:pt x="12305" y="4357388"/>
-                </a:cubicBezTo>
-                <a:cubicBezTo>
-                  <a:pt x="-14281" y="4013908"/>
-                  <a:pt x="4507" y="3672965"/>
-                  <a:pt x="46684" y="3331516"/>
-                </a:cubicBezTo>
-                <a:cubicBezTo>
-                  <a:pt x="127203" y="2664286"/>
-                  <a:pt x="277819" y="2007265"/>
-                  <a:pt x="496065" y="1371196"/>
-                </a:cubicBezTo>
-                <a:cubicBezTo>
-                  <a:pt x="636273" y="966066"/>
-                  <a:pt x="800445" y="573253"/>
-                  <a:pt x="995723" y="196614"/>
-                </a:cubicBezTo>
-                <a:close/>
-              </a:path>
-            </a:pathLst>
-          </a:custGeom>
-        </p:spPr>
-      </p:pic>
-      <mc:AlternateContent xmlns:mc="http://schemas.openxmlformats.org/markup-compatibility/2006">
-        <mc:Choice xmlns:a14="http://schemas.microsoft.com/office/drawing/2010/main" Requires="a14">
-          <p:sp>
-            <p:nvSpPr>
-              <p:cNvPr id="11" name="Textfeld 10">
-                <a:extLst>
-                  <a:ext uri="{FF2B5EF4-FFF2-40B4-BE49-F238E27FC236}">
-                    <a16:creationId xmlns:a16="http://schemas.microsoft.com/office/drawing/2014/main" id="{F7910BE2-2B52-A8CD-F154-5B88EA43B239}"/>
-                  </a:ext>
-                </a:extLst>
-              </p:cNvPr>
-              <p:cNvSpPr txBox="1"/>
-              <p:nvPr/>
-            </p:nvSpPr>
-            <p:spPr>
-              <a:xfrm>
-                <a:off x="2970994" y="6110285"/>
-                <a:ext cx="2511265" cy="276999"/>
-              </a:xfrm>
-              <a:prstGeom prst="rect">
-                <a:avLst/>
-              </a:prstGeom>
-              <a:noFill/>
-            </p:spPr>
-            <p:txBody>
-              <a:bodyPr wrap="none" lIns="0" tIns="0" rIns="0" bIns="0" rtlCol="0">
-                <a:spAutoFit/>
-              </a:bodyPr>
-              <a:lstStyle/>
-              <a:p>
-                <a14:m>
-                  <m:oMathPara xmlns:m="http://schemas.openxmlformats.org/officeDocument/2006/math">
-                    <m:oMathParaPr>
-                      <m:jc m:val="centerGroup"/>
-                    </m:oMathParaPr>
-                    <m:oMath xmlns:m="http://schemas.openxmlformats.org/officeDocument/2006/math">
-                      <m:func>
-                        <m:funcPr>
-                          <m:ctrlPr>
-                            <a:rPr lang="de-AT" b="0" i="1" smtClean="0">
-                              <a:latin typeface="Cambria Math" panose="02040503050406030204" pitchFamily="18" charset="0"/>
-                            </a:rPr>
-                          </m:ctrlPr>
-                        </m:funcPr>
-                        <m:fName>
-                          <m:r>
-                            <m:rPr>
-                              <m:sty m:val="p"/>
-                            </m:rPr>
-                            <a:rPr lang="de-AT" b="0" i="0" smtClean="0">
-                              <a:latin typeface="Cambria Math" panose="02040503050406030204" pitchFamily="18" charset="0"/>
-                            </a:rPr>
-                            <m:t>log</m:t>
-                          </m:r>
-                        </m:fName>
-                        <m:e>
-                          <m:d>
-                            <m:dPr>
-                              <m:ctrlPr>
-                                <a:rPr lang="de-AT" b="0" i="1" smtClean="0">
-                                  <a:latin typeface="Cambria Math" panose="02040503050406030204" pitchFamily="18" charset="0"/>
-                                </a:rPr>
-                              </m:ctrlPr>
-                            </m:dPr>
-                            <m:e>
-                              <m:sSub>
-                                <m:sSubPr>
-                                  <m:ctrlPr>
-                                    <a:rPr lang="de-AT" b="0" i="1" smtClean="0">
-                                      <a:latin typeface="Cambria Math" panose="02040503050406030204" pitchFamily="18" charset="0"/>
-                                    </a:rPr>
-                                  </m:ctrlPr>
-                                </m:sSubPr>
-                                <m:e>
-                                  <m:r>
-                                    <a:rPr lang="de-AT" b="0" i="1" smtClean="0">
-                                      <a:latin typeface="Cambria Math" panose="02040503050406030204" pitchFamily="18" charset="0"/>
-                                    </a:rPr>
-                                    <m:t>𝑀</m:t>
-                                  </m:r>
-                                </m:e>
-                                <m:sub>
-                                  <m:r>
-                                    <a:rPr lang="de-AT" b="0" i="1" smtClean="0">
-                                      <a:latin typeface="Cambria Math" panose="02040503050406030204" pitchFamily="18" charset="0"/>
-                                    </a:rPr>
-                                    <m:t>𝐵𝐻</m:t>
-                                  </m:r>
-                                </m:sub>
-                              </m:sSub>
-                            </m:e>
-                          </m:d>
-                        </m:e>
-                      </m:func>
-                      <m:r>
-                        <a:rPr lang="de-AT" b="0" i="1" smtClean="0">
-                          <a:latin typeface="Cambria Math" panose="02040503050406030204" pitchFamily="18" charset="0"/>
-                        </a:rPr>
-                        <m:t>=</m:t>
-                      </m:r>
-                      <m:r>
-                        <a:rPr lang="de-AT" b="0" i="1" smtClean="0">
-                          <a:latin typeface="Cambria Math" panose="02040503050406030204" pitchFamily="18" charset="0"/>
-                          <a:ea typeface="Cambria Math" panose="02040503050406030204" pitchFamily="18" charset="0"/>
-                        </a:rPr>
-                        <m:t>𝛼</m:t>
-                      </m:r>
-                      <m:func>
-                        <m:funcPr>
-                          <m:ctrlPr>
-                            <a:rPr lang="de-AT" b="0" i="1" smtClean="0">
-                              <a:latin typeface="Cambria Math" panose="02040503050406030204" pitchFamily="18" charset="0"/>
-                              <a:ea typeface="Cambria Math" panose="02040503050406030204" pitchFamily="18" charset="0"/>
-                            </a:rPr>
-                          </m:ctrlPr>
-                        </m:funcPr>
-                        <m:fName>
-                          <m:r>
-                            <m:rPr>
-                              <m:sty m:val="p"/>
-                            </m:rPr>
-                            <a:rPr lang="de-AT" b="0" i="0" smtClean="0">
-                              <a:latin typeface="Cambria Math" panose="02040503050406030204" pitchFamily="18" charset="0"/>
-                              <a:ea typeface="Cambria Math" panose="02040503050406030204" pitchFamily="18" charset="0"/>
-                            </a:rPr>
-                            <m:t>log</m:t>
-                          </m:r>
-                        </m:fName>
-                        <m:e>
-                          <m:d>
-                            <m:dPr>
-                              <m:ctrlPr>
-                                <a:rPr lang="de-AT" b="0" i="1" smtClean="0">
-                                  <a:latin typeface="Cambria Math" panose="02040503050406030204" pitchFamily="18" charset="0"/>
-                                  <a:ea typeface="Cambria Math" panose="02040503050406030204" pitchFamily="18" charset="0"/>
-                                </a:rPr>
-                              </m:ctrlPr>
-                            </m:dPr>
-                            <m:e>
-                              <m:r>
-                                <a:rPr lang="de-AT" b="0" i="1" smtClean="0">
-                                  <a:latin typeface="Cambria Math" panose="02040503050406030204" pitchFamily="18" charset="0"/>
-                                  <a:ea typeface="Cambria Math" panose="02040503050406030204" pitchFamily="18" charset="0"/>
-                                </a:rPr>
-                                <m:t>𝜎</m:t>
-                              </m:r>
-                            </m:e>
-                          </m:d>
-                        </m:e>
-                      </m:func>
-                      <m:r>
-                        <a:rPr lang="de-AT" b="0" i="1" smtClean="0">
-                          <a:latin typeface="Cambria Math" panose="02040503050406030204" pitchFamily="18" charset="0"/>
-                          <a:ea typeface="Cambria Math" panose="02040503050406030204" pitchFamily="18" charset="0"/>
-                        </a:rPr>
-                        <m:t>+</m:t>
-                      </m:r>
-                      <m:r>
-                        <a:rPr lang="de-AT" b="0" i="1" smtClean="0">
-                          <a:latin typeface="Cambria Math" panose="02040503050406030204" pitchFamily="18" charset="0"/>
-                          <a:ea typeface="Cambria Math" panose="02040503050406030204" pitchFamily="18" charset="0"/>
-                        </a:rPr>
-                        <m:t>𝛽</m:t>
-                      </m:r>
-                    </m:oMath>
-                  </m:oMathPara>
-                </a14:m>
-                <a:endParaRPr lang="de-AT" dirty="0"/>
-              </a:p>
-            </p:txBody>
-          </p:sp>
-        </mc:Choice>
-        <mc:Fallback>
-          <p:sp>
-            <p:nvSpPr>
-              <p:cNvPr id="11" name="Textfeld 10">
-                <a:extLst>
-                  <a:ext uri="{FF2B5EF4-FFF2-40B4-BE49-F238E27FC236}">
-                    <a16:creationId xmlns:a16="http://schemas.microsoft.com/office/drawing/2014/main" id="{F7910BE2-2B52-A8CD-F154-5B88EA43B239}"/>
-                  </a:ext>
-                </a:extLst>
-              </p:cNvPr>
-              <p:cNvSpPr txBox="1">
-                <a:spLocks noRot="1" noChangeAspect="1" noMove="1" noResize="1" noEditPoints="1" noAdjustHandles="1" noChangeArrowheads="1" noChangeShapeType="1" noTextEdit="1"/>
-              </p:cNvSpPr>
-              <p:nvPr/>
-            </p:nvSpPr>
-            <p:spPr>
-              <a:xfrm>
-                <a:off x="2970994" y="6110285"/>
-                <a:ext cx="2511265" cy="276999"/>
-              </a:xfrm>
-              <a:prstGeom prst="rect">
-                <a:avLst/>
-              </a:prstGeom>
-              <a:blipFill>
-                <a:blip r:embed="rId3"/>
-                <a:stretch>
-                  <a:fillRect l="-2913" t="-2174" r="-2670" b="-32609"/>
-                </a:stretch>
-              </a:blipFill>
-            </p:spPr>
-            <p:txBody>
-              <a:bodyPr/>
-              <a:lstStyle/>
-              <a:p>
-                <a:r>
-                  <a:rPr lang="de-AT">
-                    <a:noFill/>
-                  </a:rPr>
-                  <a:t> </a:t>
-                </a:r>
-              </a:p>
-            </p:txBody>
-          </p:sp>
-        </mc:Fallback>
-      </mc:AlternateContent>
-    </p:spTree>
-    <p:extLst>
-      <p:ext uri="{BB962C8B-B14F-4D97-AF65-F5344CB8AC3E}">
-        <p14:creationId xmlns:p14="http://schemas.microsoft.com/office/powerpoint/2010/main" val="1836590631"/>
-      </p:ext>
-    </p:extLst>
-  </p:cSld>
-  <p:clrMapOvr>
-    <a:masterClrMapping/>
-  </p:clrMapOvr>
-</p:sld>
-</file>
-
-<file path=ppt/slides/slide3.xml><?xml version="1.0" encoding="utf-8"?>
-<p:sld xmlns:a="http://schemas.openxmlformats.org/drawingml/2006/main" xmlns:r="http://schemas.openxmlformats.org/officeDocument/2006/relationships" xmlns:p="http://schemas.openxmlformats.org/presentationml/2006/main">
-  <p:cSld>
-    <p:bg>
-      <p:bgPr>
-        <a:solidFill>
-          <a:schemeClr val="bg1"/>
-        </a:solidFill>
-        <a:effectLst/>
-      </p:bgPr>
-    </p:bg>
-    <p:spTree>
-      <p:nvGrpSpPr>
-        <p:cNvPr id="1" name=""/>
-        <p:cNvGrpSpPr/>
-        <p:nvPr/>
-      </p:nvGrpSpPr>
-      <p:grpSpPr>
-        <a:xfrm>
-          <a:off x="0" y="0"/>
-          <a:ext cx="0" cy="0"/>
-          <a:chOff x="0" y="0"/>
-          <a:chExt cx="0" cy="0"/>
-        </a:xfrm>
-      </p:grpSpPr>
-      <p:sp useBgFill="1">
-        <p:nvSpPr>
-          <p:cNvPr id="16" name="Rectangle 18">
+          <p:cNvPr id="34" name="Rectangle 33">
             <a:extLst>
               <a:ext uri="{FF2B5EF4-FFF2-40B4-BE49-F238E27FC236}">
                 <a16:creationId xmlns:a16="http://schemas.microsoft.com/office/drawing/2014/main" id="{743AA782-23D1-4521-8CAD-47662984AA08}"/>
@@ -5592,7 +4751,7 @@
           <p:cNvPr id="2" name="Titel 1">
             <a:extLst>
               <a:ext uri="{FF2B5EF4-FFF2-40B4-BE49-F238E27FC236}">
-                <a16:creationId xmlns:a16="http://schemas.microsoft.com/office/drawing/2014/main" id="{7845ACF8-9044-E906-A29E-D87BF7673495}"/>
+                <a16:creationId xmlns:a16="http://schemas.microsoft.com/office/drawing/2014/main" id="{54B286A4-07A1-3F11-5352-ED8FFCEA72AD}"/>
               </a:ext>
             </a:extLst>
           </p:cNvPr>
@@ -5610,21 +4769,28 @@
           </a:xfrm>
         </p:spPr>
         <p:txBody>
-          <a:bodyPr anchor="b">
+          <a:bodyPr vert="horz" lIns="91440" tIns="45720" rIns="91440" bIns="45720" rtlCol="0" anchor="b">
             <a:normAutofit/>
           </a:bodyPr>
           <a:lstStyle/>
           <a:p>
             <a:r>
-              <a:rPr lang="de-AT" sz="5400" dirty="0"/>
-              <a:t>The Data</a:t>
+              <a:rPr lang="en-US" sz="5400" kern="1200" dirty="0">
+                <a:solidFill>
+                  <a:schemeClr val="tx1"/>
+                </a:solidFill>
+                <a:latin typeface="+mj-lt"/>
+                <a:ea typeface="+mj-ea"/>
+                <a:cs typeface="+mj-cs"/>
+              </a:rPr>
+              <a:t>The basics</a:t>
             </a:r>
           </a:p>
         </p:txBody>
       </p:sp>
       <p:sp>
         <p:nvSpPr>
-          <p:cNvPr id="17" name="sketch line">
+          <p:cNvPr id="36" name="sketch line">
             <a:extLst>
               <a:ext uri="{FF2B5EF4-FFF2-40B4-BE49-F238E27FC236}">
                 <a16:creationId xmlns:a16="http://schemas.microsoft.com/office/drawing/2014/main" id="{71877DBC-BB60-40F0-AC93-2ACDBAAE60CE}"/>
@@ -5895,6 +5061,790 @@
           </a:p>
         </p:txBody>
       </p:sp>
+      <mc:AlternateContent xmlns:mc="http://schemas.openxmlformats.org/markup-compatibility/2006">
+        <mc:Choice xmlns:a14="http://schemas.microsoft.com/office/drawing/2010/main" Requires="a14">
+          <p:sp>
+            <p:nvSpPr>
+              <p:cNvPr id="8" name="Textfeld 7">
+                <a:extLst>
+                  <a:ext uri="{FF2B5EF4-FFF2-40B4-BE49-F238E27FC236}">
+                    <a16:creationId xmlns:a16="http://schemas.microsoft.com/office/drawing/2014/main" id="{97201915-F197-C967-EF88-35840B458D38}"/>
+                  </a:ext>
+                </a:extLst>
+              </p:cNvPr>
+              <p:cNvSpPr txBox="1"/>
+              <p:nvPr/>
+            </p:nvSpPr>
+            <p:spPr>
+              <a:xfrm>
+                <a:off x="630936" y="2660903"/>
+                <a:ext cx="4818888" cy="3824563"/>
+              </a:xfrm>
+              <a:prstGeom prst="rect">
+                <a:avLst/>
+              </a:prstGeom>
+            </p:spPr>
+            <p:txBody>
+              <a:bodyPr vert="horz" lIns="91440" tIns="45720" rIns="91440" bIns="45720" rtlCol="0" anchor="t">
+                <a:normAutofit/>
+              </a:bodyPr>
+              <a:lstStyle/>
+              <a:p>
+                <a:pPr marL="285750" indent="-228600">
+                  <a:lnSpc>
+                    <a:spcPct val="90000"/>
+                  </a:lnSpc>
+                  <a:spcAft>
+                    <a:spcPts val="600"/>
+                  </a:spcAft>
+                  <a:buFont typeface="Arial" panose="020B0604020202020204" pitchFamily="34" charset="0"/>
+                  <a:buChar char="•"/>
+                </a:pPr>
+                <a:r>
+                  <a:rPr lang="en-US" sz="2000" dirty="0"/>
+                  <a:t>Mass of black hole and velocity dispersion	</a:t>
+                </a:r>
+              </a:p>
+              <a:p>
+                <a:pPr marL="285750" indent="-228600">
+                  <a:lnSpc>
+                    <a:spcPct val="90000"/>
+                  </a:lnSpc>
+                  <a:spcAft>
+                    <a:spcPts val="600"/>
+                  </a:spcAft>
+                  <a:buFont typeface="Arial" panose="020B0604020202020204" pitchFamily="34" charset="0"/>
+                  <a:buChar char="•"/>
+                </a:pPr>
+                <a:r>
+                  <a:rPr lang="en-US" sz="2000" dirty="0"/>
+                  <a:t>The larger the BH, the greater the velocity dispersion of the stars (for the dynamics in the galaxies </a:t>
+                </a:r>
+                <a:r>
+                  <a:rPr lang="en-US" sz="2000" dirty="0" err="1"/>
+                  <a:t>centre</a:t>
+                </a:r>
+                <a:r>
+                  <a:rPr lang="en-US" sz="2000" dirty="0"/>
+                  <a:t>)</a:t>
+                </a:r>
+              </a:p>
+              <a:p>
+                <a:pPr marL="285750" indent="-228600">
+                  <a:lnSpc>
+                    <a:spcPct val="90000"/>
+                  </a:lnSpc>
+                  <a:spcAft>
+                    <a:spcPts val="600"/>
+                  </a:spcAft>
+                  <a:buFont typeface="Arial" panose="020B0604020202020204" pitchFamily="34" charset="0"/>
+                  <a:buChar char="•"/>
+                </a:pPr>
+                <a:r>
+                  <a:rPr lang="en-US" sz="2000" dirty="0"/>
+                  <a:t>Feedback mechanism between black hole and bulge mass</a:t>
+                </a:r>
+              </a:p>
+              <a:p>
+                <a:pPr marL="285750" indent="-228600">
+                  <a:lnSpc>
+                    <a:spcPct val="90000"/>
+                  </a:lnSpc>
+                  <a:spcAft>
+                    <a:spcPts val="600"/>
+                  </a:spcAft>
+                  <a:buFont typeface="Arial" panose="020B0604020202020204" pitchFamily="34" charset="0"/>
+                  <a:buChar char="•"/>
+                </a:pPr>
+                <a:r>
+                  <a:rPr lang="en-US" sz="2000" dirty="0"/>
+                  <a:t>Origin of scatter</a:t>
+                </a:r>
+              </a:p>
+              <a:p>
+                <a:pPr marL="285750" indent="-228600">
+                  <a:lnSpc>
+                    <a:spcPct val="90000"/>
+                  </a:lnSpc>
+                  <a:spcAft>
+                    <a:spcPts val="600"/>
+                  </a:spcAft>
+                  <a:buFont typeface="Arial" panose="020B0604020202020204" pitchFamily="34" charset="0"/>
+                  <a:buChar char="•"/>
+                </a:pPr>
+                <a:r>
+                  <a:rPr lang="en-US" sz="2000" dirty="0"/>
+                  <a:t>Galactic Feedback </a:t>
+                </a:r>
+              </a:p>
+              <a:p>
+                <a:pPr marL="285750" indent="-228600">
+                  <a:lnSpc>
+                    <a:spcPct val="90000"/>
+                  </a:lnSpc>
+                  <a:spcAft>
+                    <a:spcPts val="600"/>
+                  </a:spcAft>
+                  <a:buFont typeface="Arial" panose="020B0604020202020204" pitchFamily="34" charset="0"/>
+                  <a:buChar char="•"/>
+                </a:pPr>
+                <a14:m>
+                  <m:oMath xmlns:m="http://schemas.openxmlformats.org/officeDocument/2006/math">
+                    <m:func>
+                      <m:funcPr>
+                        <m:ctrlPr>
+                          <a:rPr lang="de-AT" sz="2000" b="0" i="1" smtClean="0">
+                            <a:latin typeface="Cambria Math" panose="02040503050406030204" pitchFamily="18" charset="0"/>
+                          </a:rPr>
+                        </m:ctrlPr>
+                      </m:funcPr>
+                      <m:fName>
+                        <m:r>
+                          <m:rPr>
+                            <m:sty m:val="p"/>
+                          </m:rPr>
+                          <a:rPr lang="de-AT" sz="2000" b="0" i="0" smtClean="0">
+                            <a:latin typeface="Cambria Math" panose="02040503050406030204" pitchFamily="18" charset="0"/>
+                          </a:rPr>
+                          <m:t>log</m:t>
+                        </m:r>
+                      </m:fName>
+                      <m:e>
+                        <m:d>
+                          <m:dPr>
+                            <m:ctrlPr>
+                              <a:rPr lang="de-AT" sz="2000" b="0" i="1" smtClean="0">
+                                <a:latin typeface="Cambria Math" panose="02040503050406030204" pitchFamily="18" charset="0"/>
+                              </a:rPr>
+                            </m:ctrlPr>
+                          </m:dPr>
+                          <m:e>
+                            <m:sSub>
+                              <m:sSubPr>
+                                <m:ctrlPr>
+                                  <a:rPr lang="de-AT" sz="2000" b="0" i="1" smtClean="0">
+                                    <a:latin typeface="Cambria Math" panose="02040503050406030204" pitchFamily="18" charset="0"/>
+                                  </a:rPr>
+                                </m:ctrlPr>
+                              </m:sSubPr>
+                              <m:e>
+                                <m:r>
+                                  <a:rPr lang="de-AT" sz="2000" b="0" i="1" smtClean="0">
+                                    <a:latin typeface="Cambria Math" panose="02040503050406030204" pitchFamily="18" charset="0"/>
+                                  </a:rPr>
+                                  <m:t>𝑀</m:t>
+                                </m:r>
+                              </m:e>
+                              <m:sub>
+                                <m:r>
+                                  <a:rPr lang="de-AT" sz="2000" b="0" i="1" smtClean="0">
+                                    <a:latin typeface="Cambria Math" panose="02040503050406030204" pitchFamily="18" charset="0"/>
+                                  </a:rPr>
+                                  <m:t>𝐵𝐻</m:t>
+                                </m:r>
+                              </m:sub>
+                            </m:sSub>
+                          </m:e>
+                        </m:d>
+                      </m:e>
+                    </m:func>
+                    <m:r>
+                      <a:rPr lang="de-AT" sz="2000" b="0" i="1" smtClean="0">
+                        <a:latin typeface="Cambria Math" panose="02040503050406030204" pitchFamily="18" charset="0"/>
+                      </a:rPr>
+                      <m:t>=</m:t>
+                    </m:r>
+                    <m:r>
+                      <a:rPr lang="de-AT" sz="2000" b="0" i="1" smtClean="0">
+                        <a:latin typeface="Cambria Math" panose="02040503050406030204" pitchFamily="18" charset="0"/>
+                        <a:ea typeface="Cambria Math" panose="02040503050406030204" pitchFamily="18" charset="0"/>
+                      </a:rPr>
+                      <m:t>𝛼</m:t>
+                    </m:r>
+                    <m:func>
+                      <m:funcPr>
+                        <m:ctrlPr>
+                          <a:rPr lang="de-AT" sz="2000" b="0" i="1" smtClean="0">
+                            <a:latin typeface="Cambria Math" panose="02040503050406030204" pitchFamily="18" charset="0"/>
+                            <a:ea typeface="Cambria Math" panose="02040503050406030204" pitchFamily="18" charset="0"/>
+                          </a:rPr>
+                        </m:ctrlPr>
+                      </m:funcPr>
+                      <m:fName>
+                        <m:r>
+                          <m:rPr>
+                            <m:sty m:val="p"/>
+                          </m:rPr>
+                          <a:rPr lang="de-AT" sz="2000" b="0" i="0" smtClean="0">
+                            <a:latin typeface="Cambria Math" panose="02040503050406030204" pitchFamily="18" charset="0"/>
+                            <a:ea typeface="Cambria Math" panose="02040503050406030204" pitchFamily="18" charset="0"/>
+                          </a:rPr>
+                          <m:t>log</m:t>
+                        </m:r>
+                      </m:fName>
+                      <m:e>
+                        <m:d>
+                          <m:dPr>
+                            <m:ctrlPr>
+                              <a:rPr lang="de-AT" sz="2000" b="0" i="1" smtClean="0">
+                                <a:latin typeface="Cambria Math" panose="02040503050406030204" pitchFamily="18" charset="0"/>
+                                <a:ea typeface="Cambria Math" panose="02040503050406030204" pitchFamily="18" charset="0"/>
+                              </a:rPr>
+                            </m:ctrlPr>
+                          </m:dPr>
+                          <m:e>
+                            <m:r>
+                              <a:rPr lang="de-AT" sz="2000" b="0" i="1" smtClean="0">
+                                <a:latin typeface="Cambria Math" panose="02040503050406030204" pitchFamily="18" charset="0"/>
+                                <a:ea typeface="Cambria Math" panose="02040503050406030204" pitchFamily="18" charset="0"/>
+                              </a:rPr>
+                              <m:t>𝜎</m:t>
+                            </m:r>
+                          </m:e>
+                        </m:d>
+                      </m:e>
+                    </m:func>
+                    <m:r>
+                      <a:rPr lang="de-AT" sz="2000" b="0" i="1" smtClean="0">
+                        <a:latin typeface="Cambria Math" panose="02040503050406030204" pitchFamily="18" charset="0"/>
+                        <a:ea typeface="Cambria Math" panose="02040503050406030204" pitchFamily="18" charset="0"/>
+                      </a:rPr>
+                      <m:t>+</m:t>
+                    </m:r>
+                    <m:r>
+                      <a:rPr lang="de-AT" sz="2000" b="0" i="1" smtClean="0">
+                        <a:latin typeface="Cambria Math" panose="02040503050406030204" pitchFamily="18" charset="0"/>
+                        <a:ea typeface="Cambria Math" panose="02040503050406030204" pitchFamily="18" charset="0"/>
+                      </a:rPr>
+                      <m:t>𝛽</m:t>
+                    </m:r>
+                  </m:oMath>
+                </a14:m>
+                <a:endParaRPr lang="de-AT" sz="2000" dirty="0"/>
+              </a:p>
+              <a:p>
+                <a:pPr marL="285750" indent="-228600">
+                  <a:lnSpc>
+                    <a:spcPct val="90000"/>
+                  </a:lnSpc>
+                  <a:spcAft>
+                    <a:spcPts val="600"/>
+                  </a:spcAft>
+                  <a:buFont typeface="Arial" panose="020B0604020202020204" pitchFamily="34" charset="0"/>
+                  <a:buChar char="•"/>
+                </a:pPr>
+                <a:r>
+                  <a:rPr lang="en-US" sz="2000" dirty="0"/>
+                  <a:t>…</a:t>
+                </a:r>
+              </a:p>
+              <a:p>
+                <a:pPr indent="-228600">
+                  <a:lnSpc>
+                    <a:spcPct val="90000"/>
+                  </a:lnSpc>
+                  <a:spcAft>
+                    <a:spcPts val="600"/>
+                  </a:spcAft>
+                  <a:buFont typeface="Arial" panose="020B0604020202020204" pitchFamily="34" charset="0"/>
+                  <a:buChar char="•"/>
+                </a:pPr>
+                <a:endParaRPr lang="en-US" sz="2000" b="0" i="0" dirty="0">
+                  <a:effectLst/>
+                </a:endParaRPr>
+              </a:p>
+            </p:txBody>
+          </p:sp>
+        </mc:Choice>
+        <mc:Fallback>
+          <p:sp>
+            <p:nvSpPr>
+              <p:cNvPr id="8" name="Textfeld 7">
+                <a:extLst>
+                  <a:ext uri="{FF2B5EF4-FFF2-40B4-BE49-F238E27FC236}">
+                    <a16:creationId xmlns:a16="http://schemas.microsoft.com/office/drawing/2014/main" id="{97201915-F197-C967-EF88-35840B458D38}"/>
+                  </a:ext>
+                </a:extLst>
+              </p:cNvPr>
+              <p:cNvSpPr txBox="1">
+                <a:spLocks noRot="1" noChangeAspect="1" noMove="1" noResize="1" noEditPoints="1" noAdjustHandles="1" noChangeArrowheads="1" noChangeShapeType="1" noTextEdit="1"/>
+              </p:cNvSpPr>
+              <p:nvPr/>
+            </p:nvSpPr>
+            <p:spPr>
+              <a:xfrm>
+                <a:off x="630936" y="2660903"/>
+                <a:ext cx="4818888" cy="3824563"/>
+              </a:xfrm>
+              <a:prstGeom prst="rect">
+                <a:avLst/>
+              </a:prstGeom>
+              <a:blipFill>
+                <a:blip r:embed="rId2"/>
+                <a:stretch>
+                  <a:fillRect t="-1433"/>
+                </a:stretch>
+              </a:blipFill>
+            </p:spPr>
+            <p:txBody>
+              <a:bodyPr/>
+              <a:lstStyle/>
+              <a:p>
+                <a:r>
+                  <a:rPr lang="de-AT">
+                    <a:noFill/>
+                  </a:rPr>
+                  <a:t> </a:t>
+                </a:r>
+              </a:p>
+            </p:txBody>
+          </p:sp>
+        </mc:Fallback>
+      </mc:AlternateContent>
+      <p:pic>
+        <p:nvPicPr>
+          <p:cNvPr id="12" name="Inhaltsplatzhalter 4" descr="Ein Bild, das Text, Diagramm, Screenshot enthält.&#10;&#10;Automatisch generierte Beschreibung">
+            <a:extLst>
+              <a:ext uri="{FF2B5EF4-FFF2-40B4-BE49-F238E27FC236}">
+                <a16:creationId xmlns:a16="http://schemas.microsoft.com/office/drawing/2014/main" id="{85E8B70E-602C-762E-A93D-80D6860D779B}"/>
+              </a:ext>
+            </a:extLst>
+          </p:cNvPr>
+          <p:cNvPicPr>
+            <a:picLocks noChangeAspect="1"/>
+          </p:cNvPicPr>
+          <p:nvPr/>
+        </p:nvPicPr>
+        <p:blipFill>
+          <a:blip r:embed="rId3">
+            <a:extLst>
+              <a:ext uri="{28A0092B-C50C-407E-A947-70E740481C1C}">
+                <a14:useLocalDpi xmlns:a14="http://schemas.microsoft.com/office/drawing/2010/main" val="0"/>
+              </a:ext>
+            </a:extLst>
+          </a:blip>
+          <a:srcRect r="-1" b="2046"/>
+          <a:stretch/>
+        </p:blipFill>
+        <p:spPr>
+          <a:xfrm>
+            <a:off x="6099048" y="707765"/>
+            <a:ext cx="5458968" cy="5442470"/>
+          </a:xfrm>
+          <a:prstGeom prst="rect">
+            <a:avLst/>
+          </a:prstGeom>
+        </p:spPr>
+      </p:pic>
+    </p:spTree>
+    <p:extLst>
+      <p:ext uri="{BB962C8B-B14F-4D97-AF65-F5344CB8AC3E}">
+        <p14:creationId xmlns:p14="http://schemas.microsoft.com/office/powerpoint/2010/main" val="1836590631"/>
+      </p:ext>
+    </p:extLst>
+  </p:cSld>
+  <p:clrMapOvr>
+    <a:masterClrMapping/>
+  </p:clrMapOvr>
+</p:sld>
+</file>
+
+<file path=ppt/slides/slide3.xml><?xml version="1.0" encoding="utf-8"?>
+<p:sld xmlns:a="http://schemas.openxmlformats.org/drawingml/2006/main" xmlns:r="http://schemas.openxmlformats.org/officeDocument/2006/relationships" xmlns:p="http://schemas.openxmlformats.org/presentationml/2006/main">
+  <p:cSld>
+    <p:bg>
+      <p:bgPr>
+        <a:solidFill>
+          <a:schemeClr val="bg1"/>
+        </a:solidFill>
+        <a:effectLst/>
+      </p:bgPr>
+    </p:bg>
+    <p:spTree>
+      <p:nvGrpSpPr>
+        <p:cNvPr id="1" name=""/>
+        <p:cNvGrpSpPr/>
+        <p:nvPr/>
+      </p:nvGrpSpPr>
+      <p:grpSpPr>
+        <a:xfrm>
+          <a:off x="0" y="0"/>
+          <a:ext cx="0" cy="0"/>
+          <a:chOff x="0" y="0"/>
+          <a:chExt cx="0" cy="0"/>
+        </a:xfrm>
+      </p:grpSpPr>
+      <p:sp useBgFill="1">
+        <p:nvSpPr>
+          <p:cNvPr id="22" name="Rectangle 21">
+            <a:extLst>
+              <a:ext uri="{FF2B5EF4-FFF2-40B4-BE49-F238E27FC236}">
+                <a16:creationId xmlns:a16="http://schemas.microsoft.com/office/drawing/2014/main" id="{743AA782-23D1-4521-8CAD-47662984AA08}"/>
+              </a:ext>
+              <a:ext uri="{C183D7F6-B498-43B3-948B-1728B52AA6E4}">
+                <adec:decorative xmlns:adec="http://schemas.microsoft.com/office/drawing/2017/decorative" val="1"/>
+              </a:ext>
+            </a:extLst>
+          </p:cNvPr>
+          <p:cNvSpPr>
+            <a:spLocks noGrp="1" noRot="1" noChangeAspect="1" noMove="1" noResize="1" noEditPoints="1" noAdjustHandles="1" noChangeArrowheads="1" noChangeShapeType="1" noTextEdit="1"/>
+          </p:cNvSpPr>
+          <p:nvPr>
+            <p:extLst>
+              <p:ext uri="{386F3935-93C4-4BCD-93E2-E3B085C9AB24}">
+                <p16:designElem xmlns:p16="http://schemas.microsoft.com/office/powerpoint/2015/main" val="1"/>
+              </p:ext>
+            </p:extLst>
+          </p:nvPr>
+        </p:nvSpPr>
+        <p:spPr>
+          <a:xfrm>
+            <a:off x="0" y="0"/>
+            <a:ext cx="12192000" cy="6858000"/>
+          </a:xfrm>
+          <a:prstGeom prst="rect">
+            <a:avLst/>
+          </a:prstGeom>
+          <a:ln>
+            <a:noFill/>
+          </a:ln>
+        </p:spPr>
+        <p:style>
+          <a:lnRef idx="2">
+            <a:schemeClr val="accent1">
+              <a:shade val="50000"/>
+            </a:schemeClr>
+          </a:lnRef>
+          <a:fillRef idx="1">
+            <a:schemeClr val="accent1"/>
+          </a:fillRef>
+          <a:effectRef idx="0">
+            <a:schemeClr val="accent1"/>
+          </a:effectRef>
+          <a:fontRef idx="minor">
+            <a:schemeClr val="lt1"/>
+          </a:fontRef>
+        </p:style>
+        <p:txBody>
+          <a:bodyPr rtlCol="0" anchor="ctr"/>
+          <a:lstStyle/>
+          <a:p>
+            <a:pPr algn="ctr"/>
+            <a:endParaRPr lang="en-US"/>
+          </a:p>
+        </p:txBody>
+      </p:sp>
+      <p:sp>
+        <p:nvSpPr>
+          <p:cNvPr id="2" name="Titel 1">
+            <a:extLst>
+              <a:ext uri="{FF2B5EF4-FFF2-40B4-BE49-F238E27FC236}">
+                <a16:creationId xmlns:a16="http://schemas.microsoft.com/office/drawing/2014/main" id="{7845ACF8-9044-E906-A29E-D87BF7673495}"/>
+              </a:ext>
+            </a:extLst>
+          </p:cNvPr>
+          <p:cNvSpPr>
+            <a:spLocks noGrp="1"/>
+          </p:cNvSpPr>
+          <p:nvPr>
+            <p:ph type="title"/>
+          </p:nvPr>
+        </p:nvSpPr>
+        <p:spPr>
+          <a:xfrm>
+            <a:off x="630936" y="640080"/>
+            <a:ext cx="4818888" cy="1481328"/>
+          </a:xfrm>
+        </p:spPr>
+        <p:txBody>
+          <a:bodyPr anchor="b">
+            <a:normAutofit/>
+          </a:bodyPr>
+          <a:lstStyle/>
+          <a:p>
+            <a:r>
+              <a:rPr lang="de-AT" sz="5400" b="0" i="0" dirty="0">
+                <a:effectLst/>
+              </a:rPr>
+              <a:t>Original Data</a:t>
+            </a:r>
+            <a:endParaRPr lang="de-AT" sz="5400"/>
+          </a:p>
+        </p:txBody>
+      </p:sp>
+      <p:sp>
+        <p:nvSpPr>
+          <p:cNvPr id="24" name="sketch line">
+            <a:extLst>
+              <a:ext uri="{FF2B5EF4-FFF2-40B4-BE49-F238E27FC236}">
+                <a16:creationId xmlns:a16="http://schemas.microsoft.com/office/drawing/2014/main" id="{71877DBC-BB60-40F0-AC93-2ACDBAAE60CE}"/>
+              </a:ext>
+              <a:ext uri="{C183D7F6-B498-43B3-948B-1728B52AA6E4}">
+                <adec:decorative xmlns:adec="http://schemas.microsoft.com/office/drawing/2017/decorative" val="1"/>
+              </a:ext>
+            </a:extLst>
+          </p:cNvPr>
+          <p:cNvSpPr>
+            <a:spLocks noGrp="1" noRot="1" noChangeAspect="1" noMove="1" noResize="1" noEditPoints="1" noAdjustHandles="1" noChangeArrowheads="1" noChangeShapeType="1" noTextEdit="1"/>
+          </p:cNvSpPr>
+          <p:nvPr>
+            <p:extLst>
+              <p:ext uri="{386F3935-93C4-4BCD-93E2-E3B085C9AB24}">
+                <p16:designElem xmlns:p16="http://schemas.microsoft.com/office/powerpoint/2015/main" val="1"/>
+              </p:ext>
+            </p:extLst>
+          </p:nvPr>
+        </p:nvSpPr>
+        <p:spPr>
+          <a:xfrm>
+            <a:off x="643278" y="2372868"/>
+            <a:ext cx="3255095" cy="18288"/>
+          </a:xfrm>
+          <a:custGeom>
+            <a:avLst/>
+            <a:gdLst>
+              <a:gd name="connsiteX0" fmla="*/ 0 w 3255095"/>
+              <a:gd name="connsiteY0" fmla="*/ 0 h 18288"/>
+              <a:gd name="connsiteX1" fmla="*/ 618468 w 3255095"/>
+              <a:gd name="connsiteY1" fmla="*/ 0 h 18288"/>
+              <a:gd name="connsiteX2" fmla="*/ 1269487 w 3255095"/>
+              <a:gd name="connsiteY2" fmla="*/ 0 h 18288"/>
+              <a:gd name="connsiteX3" fmla="*/ 1953057 w 3255095"/>
+              <a:gd name="connsiteY3" fmla="*/ 0 h 18288"/>
+              <a:gd name="connsiteX4" fmla="*/ 2636627 w 3255095"/>
+              <a:gd name="connsiteY4" fmla="*/ 0 h 18288"/>
+              <a:gd name="connsiteX5" fmla="*/ 3255095 w 3255095"/>
+              <a:gd name="connsiteY5" fmla="*/ 0 h 18288"/>
+              <a:gd name="connsiteX6" fmla="*/ 3255095 w 3255095"/>
+              <a:gd name="connsiteY6" fmla="*/ 18288 h 18288"/>
+              <a:gd name="connsiteX7" fmla="*/ 2538974 w 3255095"/>
+              <a:gd name="connsiteY7" fmla="*/ 18288 h 18288"/>
+              <a:gd name="connsiteX8" fmla="*/ 1822853 w 3255095"/>
+              <a:gd name="connsiteY8" fmla="*/ 18288 h 18288"/>
+              <a:gd name="connsiteX9" fmla="*/ 1171834 w 3255095"/>
+              <a:gd name="connsiteY9" fmla="*/ 18288 h 18288"/>
+              <a:gd name="connsiteX10" fmla="*/ 0 w 3255095"/>
+              <a:gd name="connsiteY10" fmla="*/ 18288 h 18288"/>
+              <a:gd name="connsiteX11" fmla="*/ 0 w 3255095"/>
+              <a:gd name="connsiteY11" fmla="*/ 0 h 18288"/>
+            </a:gdLst>
+            <a:ahLst/>
+            <a:cxnLst>
+              <a:cxn ang="0">
+                <a:pos x="connsiteX0" y="connsiteY0"/>
+              </a:cxn>
+              <a:cxn ang="0">
+                <a:pos x="connsiteX1" y="connsiteY1"/>
+              </a:cxn>
+              <a:cxn ang="0">
+                <a:pos x="connsiteX2" y="connsiteY2"/>
+              </a:cxn>
+              <a:cxn ang="0">
+                <a:pos x="connsiteX3" y="connsiteY3"/>
+              </a:cxn>
+              <a:cxn ang="0">
+                <a:pos x="connsiteX4" y="connsiteY4"/>
+              </a:cxn>
+              <a:cxn ang="0">
+                <a:pos x="connsiteX5" y="connsiteY5"/>
+              </a:cxn>
+              <a:cxn ang="0">
+                <a:pos x="connsiteX6" y="connsiteY6"/>
+              </a:cxn>
+              <a:cxn ang="0">
+                <a:pos x="connsiteX7" y="connsiteY7"/>
+              </a:cxn>
+              <a:cxn ang="0">
+                <a:pos x="connsiteX8" y="connsiteY8"/>
+              </a:cxn>
+              <a:cxn ang="0">
+                <a:pos x="connsiteX9" y="connsiteY9"/>
+              </a:cxn>
+              <a:cxn ang="0">
+                <a:pos x="connsiteX10" y="connsiteY10"/>
+              </a:cxn>
+              <a:cxn ang="0">
+                <a:pos x="connsiteX11" y="connsiteY11"/>
+              </a:cxn>
+            </a:cxnLst>
+            <a:rect l="l" t="t" r="r" b="b"/>
+            <a:pathLst>
+              <a:path w="3255095" h="18288" fill="none" extrusionOk="0">
+                <a:moveTo>
+                  <a:pt x="0" y="0"/>
+                </a:moveTo>
+                <a:cubicBezTo>
+                  <a:pt x="240201" y="-22123"/>
+                  <a:pt x="462021" y="-19623"/>
+                  <a:pt x="618468" y="0"/>
+                </a:cubicBezTo>
+                <a:cubicBezTo>
+                  <a:pt x="774915" y="19623"/>
+                  <a:pt x="974734" y="2035"/>
+                  <a:pt x="1269487" y="0"/>
+                </a:cubicBezTo>
+                <a:cubicBezTo>
+                  <a:pt x="1564240" y="-2035"/>
+                  <a:pt x="1733579" y="10639"/>
+                  <a:pt x="1953057" y="0"/>
+                </a:cubicBezTo>
+                <a:cubicBezTo>
+                  <a:pt x="2172535" y="-10639"/>
+                  <a:pt x="2453962" y="14018"/>
+                  <a:pt x="2636627" y="0"/>
+                </a:cubicBezTo>
+                <a:cubicBezTo>
+                  <a:pt x="2819292" y="-14018"/>
+                  <a:pt x="3121375" y="5399"/>
+                  <a:pt x="3255095" y="0"/>
+                </a:cubicBezTo>
+                <a:cubicBezTo>
+                  <a:pt x="3254386" y="8157"/>
+                  <a:pt x="3254682" y="12125"/>
+                  <a:pt x="3255095" y="18288"/>
+                </a:cubicBezTo>
+                <a:cubicBezTo>
+                  <a:pt x="3088545" y="23203"/>
+                  <a:pt x="2687475" y="7419"/>
+                  <a:pt x="2538974" y="18288"/>
+                </a:cubicBezTo>
+                <a:cubicBezTo>
+                  <a:pt x="2390473" y="29157"/>
+                  <a:pt x="2137381" y="-8959"/>
+                  <a:pt x="1822853" y="18288"/>
+                </a:cubicBezTo>
+                <a:cubicBezTo>
+                  <a:pt x="1508325" y="45535"/>
+                  <a:pt x="1466437" y="20385"/>
+                  <a:pt x="1171834" y="18288"/>
+                </a:cubicBezTo>
+                <a:cubicBezTo>
+                  <a:pt x="877231" y="16191"/>
+                  <a:pt x="561097" y="37643"/>
+                  <a:pt x="0" y="18288"/>
+                </a:cubicBezTo>
+                <a:cubicBezTo>
+                  <a:pt x="-46" y="12483"/>
+                  <a:pt x="-203" y="6491"/>
+                  <a:pt x="0" y="0"/>
+                </a:cubicBezTo>
+                <a:close/>
+              </a:path>
+              <a:path w="3255095" h="18288" stroke="0" extrusionOk="0">
+                <a:moveTo>
+                  <a:pt x="0" y="0"/>
+                </a:moveTo>
+                <a:cubicBezTo>
+                  <a:pt x="291965" y="19429"/>
+                  <a:pt x="363155" y="8568"/>
+                  <a:pt x="618468" y="0"/>
+                </a:cubicBezTo>
+                <a:cubicBezTo>
+                  <a:pt x="873781" y="-8568"/>
+                  <a:pt x="904459" y="-19505"/>
+                  <a:pt x="1171834" y="0"/>
+                </a:cubicBezTo>
+                <a:cubicBezTo>
+                  <a:pt x="1439209" y="19505"/>
+                  <a:pt x="1744369" y="9790"/>
+                  <a:pt x="1887955" y="0"/>
+                </a:cubicBezTo>
+                <a:cubicBezTo>
+                  <a:pt x="2031541" y="-9790"/>
+                  <a:pt x="2346378" y="21240"/>
+                  <a:pt x="2506423" y="0"/>
+                </a:cubicBezTo>
+                <a:cubicBezTo>
+                  <a:pt x="2666468" y="-21240"/>
+                  <a:pt x="2990257" y="30414"/>
+                  <a:pt x="3255095" y="0"/>
+                </a:cubicBezTo>
+                <a:cubicBezTo>
+                  <a:pt x="3254831" y="4493"/>
+                  <a:pt x="3255479" y="9472"/>
+                  <a:pt x="3255095" y="18288"/>
+                </a:cubicBezTo>
+                <a:cubicBezTo>
+                  <a:pt x="3120743" y="16690"/>
+                  <a:pt x="2759628" y="42462"/>
+                  <a:pt x="2604076" y="18288"/>
+                </a:cubicBezTo>
+                <a:cubicBezTo>
+                  <a:pt x="2448524" y="-5886"/>
+                  <a:pt x="2184336" y="19599"/>
+                  <a:pt x="1887955" y="18288"/>
+                </a:cubicBezTo>
+                <a:cubicBezTo>
+                  <a:pt x="1591574" y="16977"/>
+                  <a:pt x="1548845" y="6870"/>
+                  <a:pt x="1334589" y="18288"/>
+                </a:cubicBezTo>
+                <a:cubicBezTo>
+                  <a:pt x="1120333" y="29706"/>
+                  <a:pt x="996014" y="9662"/>
+                  <a:pt x="683570" y="18288"/>
+                </a:cubicBezTo>
+                <a:cubicBezTo>
+                  <a:pt x="371126" y="26914"/>
+                  <a:pt x="198687" y="16167"/>
+                  <a:pt x="0" y="18288"/>
+                </a:cubicBezTo>
+                <a:cubicBezTo>
+                  <a:pt x="843" y="9577"/>
+                  <a:pt x="371" y="6900"/>
+                  <a:pt x="0" y="0"/>
+                </a:cubicBezTo>
+                <a:close/>
+              </a:path>
+            </a:pathLst>
+          </a:custGeom>
+          <a:solidFill>
+            <a:schemeClr val="accent2"/>
+          </a:solidFill>
+          <a:ln w="38100" cap="rnd">
+            <a:solidFill>
+              <a:schemeClr val="accent2"/>
+            </a:solidFill>
+            <a:round/>
+            <a:extLst>
+              <a:ext uri="{C807C97D-BFC1-408E-A445-0C87EB9F89A2}">
+                <ask:lineSketchStyleProps xmlns:ask="http://schemas.microsoft.com/office/drawing/2018/sketchyshapes" sd="1219033472">
+                  <a:prstGeom prst="rect">
+                    <a:avLst/>
+                  </a:prstGeom>
+                  <ask:type>
+                    <ask:lineSketchFreehand/>
+                  </ask:type>
+                </ask:lineSketchStyleProps>
+              </a:ext>
+            </a:extLst>
+          </a:ln>
+        </p:spPr>
+        <p:style>
+          <a:lnRef idx="2">
+            <a:schemeClr val="accent1">
+              <a:shade val="50000"/>
+            </a:schemeClr>
+          </a:lnRef>
+          <a:fillRef idx="1">
+            <a:schemeClr val="accent1"/>
+          </a:fillRef>
+          <a:effectRef idx="0">
+            <a:schemeClr val="accent1"/>
+          </a:effectRef>
+          <a:fontRef idx="minor">
+            <a:schemeClr val="lt1"/>
+          </a:fontRef>
+        </p:style>
+        <p:txBody>
+          <a:bodyPr rtlCol="0" anchor="ctr"/>
+          <a:lstStyle/>
+          <a:p>
+            <a:pPr algn="ctr"/>
+            <a:endParaRPr lang="en-US"/>
+          </a:p>
+        </p:txBody>
+      </p:sp>
       <p:sp>
         <p:nvSpPr>
           <p:cNvPr id="7" name="Inhaltsplatzhalter 6">
@@ -5913,13 +5863,13 @@
         </p:nvSpPr>
         <p:spPr>
           <a:xfrm>
-            <a:off x="630935" y="2660904"/>
-            <a:ext cx="5558197" cy="3547872"/>
+            <a:off x="630936" y="2660904"/>
+            <a:ext cx="4818888" cy="3547872"/>
           </a:xfrm>
         </p:spPr>
         <p:txBody>
           <a:bodyPr anchor="t">
-            <a:normAutofit fontScale="92500" lnSpcReduction="10000"/>
+            <a:normAutofit/>
           </a:bodyPr>
           <a:lstStyle/>
           <a:p>
@@ -5928,7 +5878,7 @@
               <a:buChar char="•"/>
             </a:pPr>
             <a:r>
-              <a:rPr lang="en-US" sz="2000" b="0" i="0" dirty="0">
+              <a:rPr lang="en-US" sz="1700" b="0" i="0">
                 <a:effectLst/>
               </a:rPr>
               <a:t>12 galaxies with secure BH mass estimates are sample A</a:t>
@@ -5940,7 +5890,7 @@
               <a:buChar char="•"/>
             </a:pPr>
             <a:r>
-              <a:rPr lang="en-US" sz="2000" b="0" i="0" dirty="0">
+              <a:rPr lang="en-US" sz="1700" b="0" i="0">
                 <a:effectLst/>
               </a:rPr>
               <a:t>sample A BH masses determined by gas/stellar kinematics, in MW case with proper motion, in NGC 4258 case with kinematics of water maser clumps</a:t>
@@ -5952,7 +5902,7 @@
               <a:buChar char="•"/>
             </a:pPr>
             <a:r>
-              <a:rPr lang="en-US" sz="2000" b="0" i="0" dirty="0">
+              <a:rPr lang="en-US" sz="1700" b="0" i="0">
                 <a:effectLst/>
               </a:rPr>
               <a:t>these methods are dependent on distance, distances obtained with surface brightness fluctuation, redshift,  proper motion </a:t>
@@ -5964,21 +5914,21 @@
               <a:buChar char="•"/>
             </a:pPr>
             <a:r>
-              <a:rPr lang="en-US" sz="2000" b="0" i="0" dirty="0">
+              <a:rPr lang="en-US" sz="1700" b="0" i="0">
                 <a:effectLst/>
               </a:rPr>
               <a:t>a sample B with less secure BH mass estimates was also used, the M-sigma relation for this sample had a different fit than sample A</a:t>
             </a:r>
-            <a:endParaRPr lang="de-AT" sz="2000" dirty="0"/>
+            <a:endParaRPr lang="de-AT" sz="1700"/>
           </a:p>
         </p:txBody>
       </p:sp>
       <p:pic>
         <p:nvPicPr>
-          <p:cNvPr id="5" name="Inhaltsplatzhalter 4" descr="Ein Bild, das Text, Diagramm, Screenshot enthält.&#10;&#10;Automatisch generierte Beschreibung">
+          <p:cNvPr id="10" name="Grafik 9" descr="Ein Bild, das Diagramm, Reihe, Text, parallel enthält.&#10;&#10;Automatisch generierte Beschreibung">
             <a:extLst>
               <a:ext uri="{FF2B5EF4-FFF2-40B4-BE49-F238E27FC236}">
-                <a16:creationId xmlns:a16="http://schemas.microsoft.com/office/drawing/2014/main" id="{85E8B70E-602C-762E-A93D-80D6860D779B}"/>
+                <a16:creationId xmlns:a16="http://schemas.microsoft.com/office/drawing/2014/main" id="{0809E7E3-5885-AA61-2D69-809F81F5E884}"/>
               </a:ext>
             </a:extLst>
           </p:cNvPr>
@@ -5995,13 +5945,14 @@
               </a:ext>
             </a:extLst>
           </a:blip>
-          <a:srcRect r="-1" b="2046"/>
-          <a:stretch/>
+          <a:stretch>
+            <a:fillRect/>
+          </a:stretch>
         </p:blipFill>
         <p:spPr>
           <a:xfrm>
-            <a:off x="6099048" y="707765"/>
-            <a:ext cx="5458968" cy="5442470"/>
+            <a:off x="5814352" y="727322"/>
+            <a:ext cx="6043665" cy="5848576"/>
           </a:xfrm>
           <a:prstGeom prst="rect">
             <a:avLst/>
@@ -6896,267 +6847,433 @@
           </a:p>
         </p:txBody>
       </p:sp>
-      <p:sp>
-        <p:nvSpPr>
-          <p:cNvPr id="7" name="Inhaltsplatzhalter 12">
-            <a:extLst>
-              <a:ext uri="{FF2B5EF4-FFF2-40B4-BE49-F238E27FC236}">
-                <a16:creationId xmlns:a16="http://schemas.microsoft.com/office/drawing/2014/main" id="{CFE244BE-4DF7-A33F-688B-591A2E9259E0}"/>
-              </a:ext>
-            </a:extLst>
-          </p:cNvPr>
-          <p:cNvSpPr txBox="1">
-            <a:spLocks/>
-          </p:cNvSpPr>
-          <p:nvPr/>
-        </p:nvSpPr>
-        <p:spPr>
-          <a:xfrm>
-            <a:off x="7894893" y="1928397"/>
-            <a:ext cx="3650400" cy="4351338"/>
-          </a:xfrm>
-          <a:prstGeom prst="rect">
-            <a:avLst/>
-          </a:prstGeom>
-        </p:spPr>
-        <p:txBody>
-          <a:bodyPr/>
-          <a:lstStyle>
-            <a:lvl1pPr marL="228600" indent="-228600" algn="l" defTabSz="914400" rtl="0" eaLnBrk="1" latinLnBrk="0" hangingPunct="1">
-              <a:lnSpc>
-                <a:spcPct val="90000"/>
-              </a:lnSpc>
-              <a:spcBef>
-                <a:spcPts val="1000"/>
-              </a:spcBef>
-              <a:buFont typeface="Arial" panose="020B0604020202020204" pitchFamily="34" charset="0"/>
-              <a:buChar char="•"/>
-              <a:defRPr sz="2800" kern="1200">
-                <a:solidFill>
-                  <a:schemeClr val="tx1"/>
-                </a:solidFill>
-                <a:latin typeface="+mn-lt"/>
-                <a:ea typeface="+mn-ea"/>
-                <a:cs typeface="+mn-cs"/>
-              </a:defRPr>
-            </a:lvl1pPr>
-            <a:lvl2pPr marL="685800" indent="-228600" algn="l" defTabSz="914400" rtl="0" eaLnBrk="1" latinLnBrk="0" hangingPunct="1">
-              <a:lnSpc>
-                <a:spcPct val="90000"/>
-              </a:lnSpc>
-              <a:spcBef>
-                <a:spcPts val="500"/>
-              </a:spcBef>
-              <a:buFont typeface="Arial" panose="020B0604020202020204" pitchFamily="34" charset="0"/>
-              <a:buChar char="•"/>
-              <a:defRPr sz="2400" kern="1200">
-                <a:solidFill>
-                  <a:schemeClr val="tx1"/>
-                </a:solidFill>
-                <a:latin typeface="+mn-lt"/>
-                <a:ea typeface="+mn-ea"/>
-                <a:cs typeface="+mn-cs"/>
-              </a:defRPr>
-            </a:lvl2pPr>
-            <a:lvl3pPr marL="1143000" indent="-228600" algn="l" defTabSz="914400" rtl="0" eaLnBrk="1" latinLnBrk="0" hangingPunct="1">
-              <a:lnSpc>
-                <a:spcPct val="90000"/>
-              </a:lnSpc>
-              <a:spcBef>
-                <a:spcPts val="500"/>
-              </a:spcBef>
-              <a:buFont typeface="Arial" panose="020B0604020202020204" pitchFamily="34" charset="0"/>
-              <a:buChar char="•"/>
-              <a:defRPr sz="2000" kern="1200">
-                <a:solidFill>
-                  <a:schemeClr val="tx1"/>
-                </a:solidFill>
-                <a:latin typeface="+mn-lt"/>
-                <a:ea typeface="+mn-ea"/>
-                <a:cs typeface="+mn-cs"/>
-              </a:defRPr>
-            </a:lvl3pPr>
-            <a:lvl4pPr marL="1600200" indent="-228600" algn="l" defTabSz="914400" rtl="0" eaLnBrk="1" latinLnBrk="0" hangingPunct="1">
-              <a:lnSpc>
-                <a:spcPct val="90000"/>
-              </a:lnSpc>
-              <a:spcBef>
-                <a:spcPts val="500"/>
-              </a:spcBef>
-              <a:buFont typeface="Arial" panose="020B0604020202020204" pitchFamily="34" charset="0"/>
-              <a:buChar char="•"/>
-              <a:defRPr sz="1800" kern="1200">
-                <a:solidFill>
-                  <a:schemeClr val="tx1"/>
-                </a:solidFill>
-                <a:latin typeface="+mn-lt"/>
-                <a:ea typeface="+mn-ea"/>
-                <a:cs typeface="+mn-cs"/>
-              </a:defRPr>
-            </a:lvl4pPr>
-            <a:lvl5pPr marL="2057400" indent="-228600" algn="l" defTabSz="914400" rtl="0" eaLnBrk="1" latinLnBrk="0" hangingPunct="1">
-              <a:lnSpc>
-                <a:spcPct val="90000"/>
-              </a:lnSpc>
-              <a:spcBef>
-                <a:spcPts val="500"/>
-              </a:spcBef>
-              <a:buFont typeface="Arial" panose="020B0604020202020204" pitchFamily="34" charset="0"/>
-              <a:buChar char="•"/>
-              <a:defRPr sz="1800" kern="1200">
-                <a:solidFill>
-                  <a:schemeClr val="tx1"/>
-                </a:solidFill>
-                <a:latin typeface="+mn-lt"/>
-                <a:ea typeface="+mn-ea"/>
-                <a:cs typeface="+mn-cs"/>
-              </a:defRPr>
-            </a:lvl5pPr>
-            <a:lvl6pPr marL="2514600" indent="-228600" algn="l" defTabSz="914400" rtl="0" eaLnBrk="1" latinLnBrk="0" hangingPunct="1">
-              <a:lnSpc>
-                <a:spcPct val="90000"/>
-              </a:lnSpc>
-              <a:spcBef>
-                <a:spcPts val="500"/>
-              </a:spcBef>
-              <a:buFont typeface="Arial" panose="020B0604020202020204" pitchFamily="34" charset="0"/>
-              <a:buChar char="•"/>
-              <a:defRPr sz="1800" kern="1200">
-                <a:solidFill>
-                  <a:schemeClr val="tx1"/>
-                </a:solidFill>
-                <a:latin typeface="+mn-lt"/>
-                <a:ea typeface="+mn-ea"/>
-                <a:cs typeface="+mn-cs"/>
-              </a:defRPr>
-            </a:lvl6pPr>
-            <a:lvl7pPr marL="2971800" indent="-228600" algn="l" defTabSz="914400" rtl="0" eaLnBrk="1" latinLnBrk="0" hangingPunct="1">
-              <a:lnSpc>
-                <a:spcPct val="90000"/>
-              </a:lnSpc>
-              <a:spcBef>
-                <a:spcPts val="500"/>
-              </a:spcBef>
-              <a:buFont typeface="Arial" panose="020B0604020202020204" pitchFamily="34" charset="0"/>
-              <a:buChar char="•"/>
-              <a:defRPr sz="1800" kern="1200">
-                <a:solidFill>
-                  <a:schemeClr val="tx1"/>
-                </a:solidFill>
-                <a:latin typeface="+mn-lt"/>
-                <a:ea typeface="+mn-ea"/>
-                <a:cs typeface="+mn-cs"/>
-              </a:defRPr>
-            </a:lvl7pPr>
-            <a:lvl8pPr marL="3429000" indent="-228600" algn="l" defTabSz="914400" rtl="0" eaLnBrk="1" latinLnBrk="0" hangingPunct="1">
-              <a:lnSpc>
-                <a:spcPct val="90000"/>
-              </a:lnSpc>
-              <a:spcBef>
-                <a:spcPts val="500"/>
-              </a:spcBef>
-              <a:buFont typeface="Arial" panose="020B0604020202020204" pitchFamily="34" charset="0"/>
-              <a:buChar char="•"/>
-              <a:defRPr sz="1800" kern="1200">
-                <a:solidFill>
-                  <a:schemeClr val="tx1"/>
-                </a:solidFill>
-                <a:latin typeface="+mn-lt"/>
-                <a:ea typeface="+mn-ea"/>
-                <a:cs typeface="+mn-cs"/>
-              </a:defRPr>
-            </a:lvl8pPr>
-            <a:lvl9pPr marL="3886200" indent="-228600" algn="l" defTabSz="914400" rtl="0" eaLnBrk="1" latinLnBrk="0" hangingPunct="1">
-              <a:lnSpc>
-                <a:spcPct val="90000"/>
-              </a:lnSpc>
-              <a:spcBef>
-                <a:spcPts val="500"/>
-              </a:spcBef>
-              <a:buFont typeface="Arial" panose="020B0604020202020204" pitchFamily="34" charset="0"/>
-              <a:buChar char="•"/>
-              <a:defRPr sz="1800" kern="1200">
-                <a:solidFill>
-                  <a:schemeClr val="tx1"/>
-                </a:solidFill>
-                <a:latin typeface="+mn-lt"/>
-                <a:ea typeface="+mn-ea"/>
-                <a:cs typeface="+mn-cs"/>
-              </a:defRPr>
-            </a:lvl9pPr>
-          </a:lstStyle>
-          <a:p>
-            <a:r>
-              <a:rPr lang="de-AT" sz="2400" dirty="0"/>
-              <a:t>BH </a:t>
-            </a:r>
-            <a:r>
-              <a:rPr lang="de-AT" sz="2400" dirty="0" err="1"/>
-              <a:t>distributes</a:t>
-            </a:r>
-            <a:r>
-              <a:rPr lang="de-AT" sz="2400" dirty="0"/>
-              <a:t> </a:t>
-            </a:r>
-            <a:r>
-              <a:rPr lang="de-AT" sz="2400" dirty="0" err="1"/>
-              <a:t>metals</a:t>
-            </a:r>
-            <a:endParaRPr lang="de-AT" sz="2400" dirty="0"/>
-          </a:p>
-          <a:p>
-            <a:r>
-              <a:rPr lang="de-AT" sz="2400" dirty="0"/>
-              <a:t>Development </a:t>
-            </a:r>
-            <a:r>
-              <a:rPr lang="de-AT" sz="2400" dirty="0" err="1"/>
-              <a:t>of</a:t>
-            </a:r>
-            <a:r>
-              <a:rPr lang="de-AT" sz="2400" dirty="0"/>
-              <a:t> BH and </a:t>
-            </a:r>
-            <a:r>
-              <a:rPr lang="de-AT" sz="2400" dirty="0" err="1"/>
-              <a:t>Galaxies</a:t>
-            </a:r>
-            <a:endParaRPr lang="de-AT" sz="2400" dirty="0"/>
-          </a:p>
-          <a:p>
-            <a:r>
-              <a:rPr lang="de-AT" sz="2400" dirty="0"/>
-              <a:t>Romulus25 </a:t>
-            </a:r>
-            <a:r>
-              <a:rPr lang="de-AT" sz="2400" dirty="0" err="1"/>
-              <a:t>simulation</a:t>
-            </a:r>
-            <a:endParaRPr lang="de-AT" sz="2400" dirty="0"/>
-          </a:p>
-          <a:p>
-            <a:r>
-              <a:rPr lang="it-IT" sz="2400" dirty="0"/>
-              <a:t>3e9 M &lt; </a:t>
-            </a:r>
-            <a:r>
-              <a:rPr lang="it-IT" sz="2400" dirty="0" err="1"/>
-              <a:t>M_stern</a:t>
-            </a:r>
-            <a:r>
-              <a:rPr lang="it-IT" sz="2400" dirty="0"/>
-              <a:t> &lt; 3e11M</a:t>
-            </a:r>
-            <a:endParaRPr lang="de-AT" sz="2400" dirty="0"/>
-          </a:p>
-          <a:p>
-            <a:endParaRPr lang="de-AT" sz="2400" dirty="0"/>
-          </a:p>
-          <a:p>
-            <a:endParaRPr lang="de-AT" sz="2400" dirty="0"/>
-          </a:p>
-        </p:txBody>
-      </p:sp>
+      <mc:AlternateContent xmlns:mc="http://schemas.openxmlformats.org/markup-compatibility/2006">
+        <mc:Choice xmlns:a14="http://schemas.microsoft.com/office/drawing/2010/main" Requires="a14">
+          <p:sp>
+            <p:nvSpPr>
+              <p:cNvPr id="7" name="Inhaltsplatzhalter 12">
+                <a:extLst>
+                  <a:ext uri="{FF2B5EF4-FFF2-40B4-BE49-F238E27FC236}">
+                    <a16:creationId xmlns:a16="http://schemas.microsoft.com/office/drawing/2014/main" id="{CFE244BE-4DF7-A33F-688B-591A2E9259E0}"/>
+                  </a:ext>
+                </a:extLst>
+              </p:cNvPr>
+              <p:cNvSpPr txBox="1">
+                <a:spLocks/>
+              </p:cNvSpPr>
+              <p:nvPr/>
+            </p:nvSpPr>
+            <p:spPr>
+              <a:xfrm>
+                <a:off x="7780866" y="1928397"/>
+                <a:ext cx="4519745" cy="4351338"/>
+              </a:xfrm>
+              <a:prstGeom prst="rect">
+                <a:avLst/>
+              </a:prstGeom>
+            </p:spPr>
+            <p:txBody>
+              <a:bodyPr/>
+              <a:lstStyle>
+                <a:lvl1pPr marL="228600" indent="-228600" algn="l" defTabSz="914400" rtl="0" eaLnBrk="1" latinLnBrk="0" hangingPunct="1">
+                  <a:lnSpc>
+                    <a:spcPct val="90000"/>
+                  </a:lnSpc>
+                  <a:spcBef>
+                    <a:spcPts val="1000"/>
+                  </a:spcBef>
+                  <a:buFont typeface="Arial" panose="020B0604020202020204" pitchFamily="34" charset="0"/>
+                  <a:buChar char="•"/>
+                  <a:defRPr sz="2800" kern="1200">
+                    <a:solidFill>
+                      <a:schemeClr val="tx1"/>
+                    </a:solidFill>
+                    <a:latin typeface="+mn-lt"/>
+                    <a:ea typeface="+mn-ea"/>
+                    <a:cs typeface="+mn-cs"/>
+                  </a:defRPr>
+                </a:lvl1pPr>
+                <a:lvl2pPr marL="685800" indent="-228600" algn="l" defTabSz="914400" rtl="0" eaLnBrk="1" latinLnBrk="0" hangingPunct="1">
+                  <a:lnSpc>
+                    <a:spcPct val="90000"/>
+                  </a:lnSpc>
+                  <a:spcBef>
+                    <a:spcPts val="500"/>
+                  </a:spcBef>
+                  <a:buFont typeface="Arial" panose="020B0604020202020204" pitchFamily="34" charset="0"/>
+                  <a:buChar char="•"/>
+                  <a:defRPr sz="2400" kern="1200">
+                    <a:solidFill>
+                      <a:schemeClr val="tx1"/>
+                    </a:solidFill>
+                    <a:latin typeface="+mn-lt"/>
+                    <a:ea typeface="+mn-ea"/>
+                    <a:cs typeface="+mn-cs"/>
+                  </a:defRPr>
+                </a:lvl2pPr>
+                <a:lvl3pPr marL="1143000" indent="-228600" algn="l" defTabSz="914400" rtl="0" eaLnBrk="1" latinLnBrk="0" hangingPunct="1">
+                  <a:lnSpc>
+                    <a:spcPct val="90000"/>
+                  </a:lnSpc>
+                  <a:spcBef>
+                    <a:spcPts val="500"/>
+                  </a:spcBef>
+                  <a:buFont typeface="Arial" panose="020B0604020202020204" pitchFamily="34" charset="0"/>
+                  <a:buChar char="•"/>
+                  <a:defRPr sz="2000" kern="1200">
+                    <a:solidFill>
+                      <a:schemeClr val="tx1"/>
+                    </a:solidFill>
+                    <a:latin typeface="+mn-lt"/>
+                    <a:ea typeface="+mn-ea"/>
+                    <a:cs typeface="+mn-cs"/>
+                  </a:defRPr>
+                </a:lvl3pPr>
+                <a:lvl4pPr marL="1600200" indent="-228600" algn="l" defTabSz="914400" rtl="0" eaLnBrk="1" latinLnBrk="0" hangingPunct="1">
+                  <a:lnSpc>
+                    <a:spcPct val="90000"/>
+                  </a:lnSpc>
+                  <a:spcBef>
+                    <a:spcPts val="500"/>
+                  </a:spcBef>
+                  <a:buFont typeface="Arial" panose="020B0604020202020204" pitchFamily="34" charset="0"/>
+                  <a:buChar char="•"/>
+                  <a:defRPr sz="1800" kern="1200">
+                    <a:solidFill>
+                      <a:schemeClr val="tx1"/>
+                    </a:solidFill>
+                    <a:latin typeface="+mn-lt"/>
+                    <a:ea typeface="+mn-ea"/>
+                    <a:cs typeface="+mn-cs"/>
+                  </a:defRPr>
+                </a:lvl4pPr>
+                <a:lvl5pPr marL="2057400" indent="-228600" algn="l" defTabSz="914400" rtl="0" eaLnBrk="1" latinLnBrk="0" hangingPunct="1">
+                  <a:lnSpc>
+                    <a:spcPct val="90000"/>
+                  </a:lnSpc>
+                  <a:spcBef>
+                    <a:spcPts val="500"/>
+                  </a:spcBef>
+                  <a:buFont typeface="Arial" panose="020B0604020202020204" pitchFamily="34" charset="0"/>
+                  <a:buChar char="•"/>
+                  <a:defRPr sz="1800" kern="1200">
+                    <a:solidFill>
+                      <a:schemeClr val="tx1"/>
+                    </a:solidFill>
+                    <a:latin typeface="+mn-lt"/>
+                    <a:ea typeface="+mn-ea"/>
+                    <a:cs typeface="+mn-cs"/>
+                  </a:defRPr>
+                </a:lvl5pPr>
+                <a:lvl6pPr marL="2514600" indent="-228600" algn="l" defTabSz="914400" rtl="0" eaLnBrk="1" latinLnBrk="0" hangingPunct="1">
+                  <a:lnSpc>
+                    <a:spcPct val="90000"/>
+                  </a:lnSpc>
+                  <a:spcBef>
+                    <a:spcPts val="500"/>
+                  </a:spcBef>
+                  <a:buFont typeface="Arial" panose="020B0604020202020204" pitchFamily="34" charset="0"/>
+                  <a:buChar char="•"/>
+                  <a:defRPr sz="1800" kern="1200">
+                    <a:solidFill>
+                      <a:schemeClr val="tx1"/>
+                    </a:solidFill>
+                    <a:latin typeface="+mn-lt"/>
+                    <a:ea typeface="+mn-ea"/>
+                    <a:cs typeface="+mn-cs"/>
+                  </a:defRPr>
+                </a:lvl6pPr>
+                <a:lvl7pPr marL="2971800" indent="-228600" algn="l" defTabSz="914400" rtl="0" eaLnBrk="1" latinLnBrk="0" hangingPunct="1">
+                  <a:lnSpc>
+                    <a:spcPct val="90000"/>
+                  </a:lnSpc>
+                  <a:spcBef>
+                    <a:spcPts val="500"/>
+                  </a:spcBef>
+                  <a:buFont typeface="Arial" panose="020B0604020202020204" pitchFamily="34" charset="0"/>
+                  <a:buChar char="•"/>
+                  <a:defRPr sz="1800" kern="1200">
+                    <a:solidFill>
+                      <a:schemeClr val="tx1"/>
+                    </a:solidFill>
+                    <a:latin typeface="+mn-lt"/>
+                    <a:ea typeface="+mn-ea"/>
+                    <a:cs typeface="+mn-cs"/>
+                  </a:defRPr>
+                </a:lvl7pPr>
+                <a:lvl8pPr marL="3429000" indent="-228600" algn="l" defTabSz="914400" rtl="0" eaLnBrk="1" latinLnBrk="0" hangingPunct="1">
+                  <a:lnSpc>
+                    <a:spcPct val="90000"/>
+                  </a:lnSpc>
+                  <a:spcBef>
+                    <a:spcPts val="500"/>
+                  </a:spcBef>
+                  <a:buFont typeface="Arial" panose="020B0604020202020204" pitchFamily="34" charset="0"/>
+                  <a:buChar char="•"/>
+                  <a:defRPr sz="1800" kern="1200">
+                    <a:solidFill>
+                      <a:schemeClr val="tx1"/>
+                    </a:solidFill>
+                    <a:latin typeface="+mn-lt"/>
+                    <a:ea typeface="+mn-ea"/>
+                    <a:cs typeface="+mn-cs"/>
+                  </a:defRPr>
+                </a:lvl8pPr>
+                <a:lvl9pPr marL="3886200" indent="-228600" algn="l" defTabSz="914400" rtl="0" eaLnBrk="1" latinLnBrk="0" hangingPunct="1">
+                  <a:lnSpc>
+                    <a:spcPct val="90000"/>
+                  </a:lnSpc>
+                  <a:spcBef>
+                    <a:spcPts val="500"/>
+                  </a:spcBef>
+                  <a:buFont typeface="Arial" panose="020B0604020202020204" pitchFamily="34" charset="0"/>
+                  <a:buChar char="•"/>
+                  <a:defRPr sz="1800" kern="1200">
+                    <a:solidFill>
+                      <a:schemeClr val="tx1"/>
+                    </a:solidFill>
+                    <a:latin typeface="+mn-lt"/>
+                    <a:ea typeface="+mn-ea"/>
+                    <a:cs typeface="+mn-cs"/>
+                  </a:defRPr>
+                </a:lvl9pPr>
+              </a:lstStyle>
+              <a:p>
+                <a:r>
+                  <a:rPr lang="de-AT" sz="2400" dirty="0"/>
+                  <a:t>BH </a:t>
+                </a:r>
+                <a:r>
+                  <a:rPr lang="de-AT" sz="2400" dirty="0" err="1"/>
+                  <a:t>distributes</a:t>
+                </a:r>
+                <a:r>
+                  <a:rPr lang="de-AT" sz="2400" dirty="0"/>
+                  <a:t> </a:t>
+                </a:r>
+                <a:r>
+                  <a:rPr lang="de-AT" sz="2400" dirty="0" err="1"/>
+                  <a:t>metals</a:t>
+                </a:r>
+                <a:endParaRPr lang="de-AT" sz="2400" dirty="0"/>
+              </a:p>
+              <a:p>
+                <a:r>
+                  <a:rPr lang="de-AT" sz="2400" dirty="0"/>
+                  <a:t>Development </a:t>
+                </a:r>
+                <a:r>
+                  <a:rPr lang="de-AT" sz="2400" dirty="0" err="1"/>
+                  <a:t>of</a:t>
+                </a:r>
+                <a:r>
+                  <a:rPr lang="de-AT" sz="2400" dirty="0"/>
+                  <a:t> BH and </a:t>
+                </a:r>
+                <a:r>
+                  <a:rPr lang="de-AT" sz="2400" dirty="0" err="1"/>
+                  <a:t>Galaxies</a:t>
+                </a:r>
+                <a:endParaRPr lang="de-AT" sz="2400" dirty="0"/>
+              </a:p>
+              <a:p>
+                <a:r>
+                  <a:rPr lang="de-AT" sz="2400" dirty="0"/>
+                  <a:t>Romulus25 </a:t>
+                </a:r>
+                <a:r>
+                  <a:rPr lang="de-AT" sz="2400" dirty="0" err="1"/>
+                  <a:t>simulation</a:t>
+                </a:r>
+                <a:endParaRPr lang="de-AT" sz="2400" dirty="0"/>
+              </a:p>
+              <a:p>
+                <a14:m>
+                  <m:oMath xmlns:m="http://schemas.openxmlformats.org/officeDocument/2006/math">
+                    <m:r>
+                      <a:rPr lang="de-AT" sz="2400" b="0" i="1" smtClean="0">
+                        <a:latin typeface="Cambria Math" panose="02040503050406030204" pitchFamily="18" charset="0"/>
+                      </a:rPr>
+                      <m:t>3</m:t>
+                    </m:r>
+                    <m:r>
+                      <a:rPr lang="de-AT" sz="2400" b="0" i="1" smtClean="0">
+                        <a:latin typeface="Cambria Math" panose="02040503050406030204" pitchFamily="18" charset="0"/>
+                      </a:rPr>
+                      <m:t>𝑒</m:t>
+                    </m:r>
+                    <m:r>
+                      <a:rPr lang="de-AT" sz="2400" b="0" i="1" smtClean="0">
+                        <a:latin typeface="Cambria Math" panose="02040503050406030204" pitchFamily="18" charset="0"/>
+                      </a:rPr>
+                      <m:t>9 </m:t>
+                    </m:r>
+                    <m:sSub>
+                      <m:sSubPr>
+                        <m:ctrlPr>
+                          <a:rPr lang="de-AT" sz="2400" b="0" i="1" smtClean="0">
+                            <a:latin typeface="Cambria Math" panose="02040503050406030204" pitchFamily="18" charset="0"/>
+                          </a:rPr>
+                        </m:ctrlPr>
+                      </m:sSubPr>
+                      <m:e>
+                        <m:r>
+                          <a:rPr lang="de-AT" sz="2400" b="0" i="1" smtClean="0">
+                            <a:latin typeface="Cambria Math" panose="02040503050406030204" pitchFamily="18" charset="0"/>
+                          </a:rPr>
+                          <m:t>𝑀</m:t>
+                        </m:r>
+                      </m:e>
+                      <m:sub>
+                        <m:r>
+                          <a:rPr lang="de-AT" sz="2400" b="0" i="1" smtClean="0">
+                            <a:latin typeface="Cambria Math" panose="02040503050406030204" pitchFamily="18" charset="0"/>
+                          </a:rPr>
+                          <m:t>𝑆𝑢𝑛</m:t>
+                        </m:r>
+                      </m:sub>
+                    </m:sSub>
+                    <m:r>
+                      <a:rPr lang="de-AT" sz="2400" b="0" i="1" smtClean="0">
+                        <a:latin typeface="Cambria Math" panose="02040503050406030204" pitchFamily="18" charset="0"/>
+                      </a:rPr>
+                      <m:t>&lt; </m:t>
+                    </m:r>
+                    <m:sSub>
+                      <m:sSubPr>
+                        <m:ctrlPr>
+                          <a:rPr lang="de-AT" sz="2400" b="0" i="1" smtClean="0">
+                            <a:latin typeface="Cambria Math" panose="02040503050406030204" pitchFamily="18" charset="0"/>
+                          </a:rPr>
+                        </m:ctrlPr>
+                      </m:sSubPr>
+                      <m:e>
+                        <m:r>
+                          <a:rPr lang="de-AT" sz="2400" b="0" i="1" smtClean="0">
+                            <a:latin typeface="Cambria Math" panose="02040503050406030204" pitchFamily="18" charset="0"/>
+                          </a:rPr>
+                          <m:t>𝑀</m:t>
+                        </m:r>
+                      </m:e>
+                      <m:sub>
+                        <m:r>
+                          <a:rPr lang="de-AT" sz="2400" b="0" i="1" smtClean="0">
+                            <a:latin typeface="Cambria Math" panose="02040503050406030204" pitchFamily="18" charset="0"/>
+                          </a:rPr>
+                          <m:t>𝐵𝐻</m:t>
+                        </m:r>
+                      </m:sub>
+                    </m:sSub>
+                    <m:r>
+                      <a:rPr lang="de-AT" sz="2400" b="0" i="1" smtClean="0">
+                        <a:latin typeface="Cambria Math" panose="02040503050406030204" pitchFamily="18" charset="0"/>
+                      </a:rPr>
+                      <m:t>&lt;</m:t>
+                    </m:r>
+                    <m:r>
+                      <a:rPr lang="de-AT" sz="2400" i="1">
+                        <a:latin typeface="Cambria Math" panose="02040503050406030204" pitchFamily="18" charset="0"/>
+                      </a:rPr>
+                      <m:t>3</m:t>
+                    </m:r>
+                    <m:r>
+                      <a:rPr lang="de-AT" sz="2400" i="1">
+                        <a:latin typeface="Cambria Math" panose="02040503050406030204" pitchFamily="18" charset="0"/>
+                      </a:rPr>
+                      <m:t>𝑒</m:t>
+                    </m:r>
+                    <m:r>
+                      <a:rPr lang="de-AT" sz="2400" b="0" i="1" smtClean="0">
+                        <a:latin typeface="Cambria Math" panose="02040503050406030204" pitchFamily="18" charset="0"/>
+                      </a:rPr>
+                      <m:t>11</m:t>
+                    </m:r>
+                    <m:r>
+                      <a:rPr lang="de-AT" sz="2400" i="1">
+                        <a:latin typeface="Cambria Math" panose="02040503050406030204" pitchFamily="18" charset="0"/>
+                      </a:rPr>
+                      <m:t> </m:t>
+                    </m:r>
+                    <m:sSub>
+                      <m:sSubPr>
+                        <m:ctrlPr>
+                          <a:rPr lang="de-AT" sz="2400" i="1">
+                            <a:latin typeface="Cambria Math" panose="02040503050406030204" pitchFamily="18" charset="0"/>
+                          </a:rPr>
+                        </m:ctrlPr>
+                      </m:sSubPr>
+                      <m:e>
+                        <m:r>
+                          <a:rPr lang="de-AT" sz="2400" i="1">
+                            <a:latin typeface="Cambria Math" panose="02040503050406030204" pitchFamily="18" charset="0"/>
+                          </a:rPr>
+                          <m:t>𝑀</m:t>
+                        </m:r>
+                      </m:e>
+                      <m:sub>
+                        <m:r>
+                          <a:rPr lang="de-AT" sz="2400" i="1">
+                            <a:latin typeface="Cambria Math" panose="02040503050406030204" pitchFamily="18" charset="0"/>
+                          </a:rPr>
+                          <m:t>𝑆𝑢𝑛</m:t>
+                        </m:r>
+                      </m:sub>
+                    </m:sSub>
+                  </m:oMath>
+                </a14:m>
+                <a:endParaRPr lang="de-AT" sz="2400" dirty="0"/>
+              </a:p>
+              <a:p>
+                <a:endParaRPr lang="de-AT" sz="2400" dirty="0"/>
+              </a:p>
+            </p:txBody>
+          </p:sp>
+        </mc:Choice>
+        <mc:Fallback>
+          <p:sp>
+            <p:nvSpPr>
+              <p:cNvPr id="7" name="Inhaltsplatzhalter 12">
+                <a:extLst>
+                  <a:ext uri="{FF2B5EF4-FFF2-40B4-BE49-F238E27FC236}">
+                    <a16:creationId xmlns:a16="http://schemas.microsoft.com/office/drawing/2014/main" id="{CFE244BE-4DF7-A33F-688B-591A2E9259E0}"/>
+                  </a:ext>
+                </a:extLst>
+              </p:cNvPr>
+              <p:cNvSpPr txBox="1">
+                <a:spLocks noRot="1" noChangeAspect="1" noMove="1" noResize="1" noEditPoints="1" noAdjustHandles="1" noChangeArrowheads="1" noChangeShapeType="1" noTextEdit="1"/>
+              </p:cNvSpPr>
+              <p:nvPr/>
+            </p:nvSpPr>
+            <p:spPr>
+              <a:xfrm>
+                <a:off x="7780866" y="1928397"/>
+                <a:ext cx="4519745" cy="4351338"/>
+              </a:xfrm>
+              <a:prstGeom prst="rect">
+                <a:avLst/>
+              </a:prstGeom>
+              <a:blipFill>
+                <a:blip r:embed="rId2"/>
+                <a:stretch>
+                  <a:fillRect l="-1752" t="-1821"/>
+                </a:stretch>
+              </a:blipFill>
+            </p:spPr>
+            <p:txBody>
+              <a:bodyPr/>
+              <a:lstStyle/>
+              <a:p>
+                <a:r>
+                  <a:rPr lang="de-AT">
+                    <a:noFill/>
+                  </a:rPr>
+                  <a:t> </a:t>
+                </a:r>
+              </a:p>
+            </p:txBody>
+          </p:sp>
+        </mc:Fallback>
+      </mc:AlternateContent>
       <p:sp>
         <p:nvSpPr>
           <p:cNvPr id="9" name="Inhaltsplatzhalter 12">
@@ -7383,10 +7500,10 @@
           </a:p>
           <a:p>
             <a:r>
-              <a:rPr lang="de-AT" sz="2400" dirty="0" err="1">
-                <a:latin typeface="gg sans"/>
+              <a:rPr lang="de-AT" sz="2400" b="0" i="0" dirty="0" err="1">
+                <a:effectLst/>
               </a:rPr>
-              <a:t>Probaly</a:t>
+              <a:t>Probably</a:t>
             </a:r>
             <a:r>
               <a:rPr lang="de-AT" sz="2400" dirty="0">
@@ -7461,7 +7578,7 @@
           <p:nvPr/>
         </p:nvPicPr>
         <p:blipFill>
-          <a:blip r:embed="rId2" cstate="print"/>
+          <a:blip r:embed="rId3" cstate="print"/>
           <a:stretch>
             <a:fillRect/>
           </a:stretch>
@@ -7576,22 +7693,6 @@
               </a:rPr>
               <a:t>quasars</a:t>
             </a:r>
-            <a:r>
-              <a:rPr lang="en-US" sz="1800" spc="-90" dirty="0">
-                <a:effectLst/>
-                <a:ea typeface="Georgia" panose="02040502050405020303" pitchFamily="18" charset="0"/>
-                <a:cs typeface="Georgia" panose="02040502050405020303" pitchFamily="18" charset="0"/>
-              </a:rPr>
-              <a:t> </a:t>
-            </a:r>
-            <a:r>
-              <a:rPr lang="en-US" sz="1800" dirty="0">
-                <a:effectLst/>
-                <a:ea typeface="Georgia" panose="02040502050405020303" pitchFamily="18" charset="0"/>
-                <a:cs typeface="Georgia" panose="02040502050405020303" pitchFamily="18" charset="0"/>
-              </a:rPr>
-              <a:t>(RQQ)</a:t>
-            </a:r>
             <a:br>
               <a:rPr lang="en-US" sz="1800" spc="-85" dirty="0">
                 <a:effectLst/>
@@ -7613,7 +7714,7 @@
                 <a:ea typeface="Georgia" panose="02040502050405020303" pitchFamily="18" charset="0"/>
                 <a:cs typeface="Georgia" panose="02040502050405020303" pitchFamily="18" charset="0"/>
               </a:rPr>
-              <a:t> </a:t>
+              <a:t> line</a:t>
             </a:r>
             <a:r>
               <a:rPr lang="en-US" sz="1800" dirty="0">
@@ -7621,7 +7722,7 @@
                 <a:ea typeface="Georgia" panose="02040502050405020303" pitchFamily="18" charset="0"/>
                 <a:cs typeface="Georgia" panose="02040502050405020303" pitchFamily="18" charset="0"/>
               </a:rPr>
-              <a:t>path:</a:t>
+              <a:t>:</a:t>
             </a:r>
             <a:r>
               <a:rPr lang="en-US" sz="1800" spc="-20" dirty="0">
@@ -7670,22 +7771,6 @@
                 <a:cs typeface="Georgia" panose="02040502050405020303" pitchFamily="18" charset="0"/>
               </a:rPr>
               <a:t>quasars</a:t>
-            </a:r>
-            <a:r>
-              <a:rPr lang="en-US" sz="1800" spc="-85" dirty="0">
-                <a:effectLst/>
-                <a:ea typeface="Georgia" panose="02040502050405020303" pitchFamily="18" charset="0"/>
-                <a:cs typeface="Georgia" panose="02040502050405020303" pitchFamily="18" charset="0"/>
-              </a:rPr>
-              <a:t> </a:t>
-            </a:r>
-            <a:r>
-              <a:rPr lang="en-US" sz="1800" dirty="0">
-                <a:effectLst/>
-                <a:ea typeface="Georgia" panose="02040502050405020303" pitchFamily="18" charset="0"/>
-                <a:cs typeface="Georgia" panose="02040502050405020303" pitchFamily="18" charset="0"/>
-              </a:rPr>
-              <a:t>(RLQ).</a:t>
             </a:r>
             <a:endParaRPr lang="de-AT" dirty="0"/>
           </a:p>
@@ -7818,10 +7903,10 @@
           <a:lstStyle/>
           <a:p>
             <a:r>
-              <a:rPr lang="de-DE" sz="5400"/>
-              <a:t>Literatur source </a:t>
-            </a:r>
-            <a:endParaRPr lang="de-AT" sz="5400"/>
+              <a:rPr lang="de-DE" sz="5400" dirty="0"/>
+              <a:t>Literatur</a:t>
+            </a:r>
+            <a:endParaRPr lang="de-AT" sz="5400" dirty="0"/>
           </a:p>
         </p:txBody>
       </p:sp>
